--- a/[2019마이크로프로세서]텀프로젝트 제안서_12조.pptx
+++ b/[2019마이크로프로세서]텀프로젝트 제안서_12조.pptx
@@ -5,27 +5,26 @@
     <p:sldMasterId id="2147483696" r:id="rId1"/>
   </p:sldMasterIdLst>
   <p:handoutMasterIdLst>
-    <p:handoutMasterId r:id="rId8"/>
+    <p:handoutMasterId r:id="rId7"/>
   </p:handoutMasterIdLst>
   <p:sldIdLst>
     <p:sldId id="256" r:id="rId2"/>
     <p:sldId id="294" r:id="rId3"/>
     <p:sldId id="259" r:id="rId4"/>
     <p:sldId id="298" r:id="rId5"/>
-    <p:sldId id="296" r:id="rId6"/>
-    <p:sldId id="297" r:id="rId7"/>
+    <p:sldId id="297" r:id="rId6"/>
   </p:sldIdLst>
   <p:sldSz cx="12192000" cy="6858000"/>
   <p:notesSz cx="6858000" cy="9144000"/>
   <p:embeddedFontLst>
     <p:embeddedFont>
       <p:font typeface="맑은 고딕 Semilight" panose="020B0502040204020203" pitchFamily="50" charset="-127"/>
-      <p:regular r:id="rId9"/>
+      <p:regular r:id="rId8"/>
     </p:embeddedFont>
     <p:embeddedFont>
       <p:font typeface="Agency FB" panose="020B0503020202020204" pitchFamily="34" charset="0"/>
-      <p:regular r:id="rId10"/>
-      <p:bold r:id="rId11"/>
+      <p:regular r:id="rId9"/>
+      <p:bold r:id="rId10"/>
     </p:embeddedFont>
   </p:embeddedFontLst>
   <p:defaultTextStyle>
@@ -308,7 +307,7 @@
                 <a:latin typeface="맑은 고딕 Semilight" panose="020B0502040204020203" pitchFamily="50" charset="-127"/>
                 <a:ea typeface="맑은 고딕 Semilight" panose="020B0502040204020203" pitchFamily="50" charset="-127"/>
               </a:rPr>
-              <a:t>2019-11-21</a:t>
+              <a:t>2019-11-26</a:t>
             </a:fld>
             <a:endParaRPr lang="ko-KR" altLang="en-US" dirty="0">
               <a:latin typeface="맑은 고딕 Semilight" panose="020B0502040204020203" pitchFamily="50" charset="-127"/>
@@ -459,7 +458,7 @@
           <a:p>
             <a:fld id="{8771C398-EBCC-4210-8AFD-1D056CED0821}" type="datetimeFigureOut">
               <a:rPr lang="ko-KR" altLang="en-US" smtClean="0"/>
-              <a:t>2019-11-21</a:t>
+              <a:t>2019-11-26</a:t>
             </a:fld>
             <a:endParaRPr lang="ko-KR" altLang="en-US"/>
           </a:p>
@@ -629,7 +628,7 @@
           <a:p>
             <a:fld id="{8771C398-EBCC-4210-8AFD-1D056CED0821}" type="datetimeFigureOut">
               <a:rPr lang="ko-KR" altLang="en-US" smtClean="0"/>
-              <a:t>2019-11-21</a:t>
+              <a:t>2019-11-26</a:t>
             </a:fld>
             <a:endParaRPr lang="ko-KR" altLang="en-US"/>
           </a:p>
@@ -809,7 +808,7 @@
           <a:p>
             <a:fld id="{8771C398-EBCC-4210-8AFD-1D056CED0821}" type="datetimeFigureOut">
               <a:rPr lang="ko-KR" altLang="en-US" smtClean="0"/>
-              <a:t>2019-11-21</a:t>
+              <a:t>2019-11-26</a:t>
             </a:fld>
             <a:endParaRPr lang="ko-KR" altLang="en-US"/>
           </a:p>
@@ -979,7 +978,7 @@
           <a:p>
             <a:fld id="{8771C398-EBCC-4210-8AFD-1D056CED0821}" type="datetimeFigureOut">
               <a:rPr lang="ko-KR" altLang="en-US" smtClean="0"/>
-              <a:t>2019-11-21</a:t>
+              <a:t>2019-11-26</a:t>
             </a:fld>
             <a:endParaRPr lang="ko-KR" altLang="en-US"/>
           </a:p>
@@ -1223,7 +1222,7 @@
           <a:p>
             <a:fld id="{8771C398-EBCC-4210-8AFD-1D056CED0821}" type="datetimeFigureOut">
               <a:rPr lang="ko-KR" altLang="en-US" smtClean="0"/>
-              <a:t>2019-11-21</a:t>
+              <a:t>2019-11-26</a:t>
             </a:fld>
             <a:endParaRPr lang="ko-KR" altLang="en-US"/>
           </a:p>
@@ -1455,7 +1454,7 @@
           <a:p>
             <a:fld id="{8771C398-EBCC-4210-8AFD-1D056CED0821}" type="datetimeFigureOut">
               <a:rPr lang="ko-KR" altLang="en-US" smtClean="0"/>
-              <a:t>2019-11-21</a:t>
+              <a:t>2019-11-26</a:t>
             </a:fld>
             <a:endParaRPr lang="ko-KR" altLang="en-US"/>
           </a:p>
@@ -1822,7 +1821,7 @@
           <a:p>
             <a:fld id="{8771C398-EBCC-4210-8AFD-1D056CED0821}" type="datetimeFigureOut">
               <a:rPr lang="ko-KR" altLang="en-US" smtClean="0"/>
-              <a:t>2019-11-21</a:t>
+              <a:t>2019-11-26</a:t>
             </a:fld>
             <a:endParaRPr lang="ko-KR" altLang="en-US"/>
           </a:p>
@@ -1940,7 +1939,7 @@
           <a:p>
             <a:fld id="{8771C398-EBCC-4210-8AFD-1D056CED0821}" type="datetimeFigureOut">
               <a:rPr lang="ko-KR" altLang="en-US" smtClean="0"/>
-              <a:t>2019-11-21</a:t>
+              <a:t>2019-11-26</a:t>
             </a:fld>
             <a:endParaRPr lang="ko-KR" altLang="en-US"/>
           </a:p>
@@ -2035,7 +2034,7 @@
           <a:p>
             <a:fld id="{8771C398-EBCC-4210-8AFD-1D056CED0821}" type="datetimeFigureOut">
               <a:rPr lang="ko-KR" altLang="en-US" smtClean="0"/>
-              <a:t>2019-11-21</a:t>
+              <a:t>2019-11-26</a:t>
             </a:fld>
             <a:endParaRPr lang="ko-KR" altLang="en-US"/>
           </a:p>
@@ -2312,7 +2311,7 @@
           <a:p>
             <a:fld id="{8771C398-EBCC-4210-8AFD-1D056CED0821}" type="datetimeFigureOut">
               <a:rPr lang="ko-KR" altLang="en-US" smtClean="0"/>
-              <a:t>2019-11-21</a:t>
+              <a:t>2019-11-26</a:t>
             </a:fld>
             <a:endParaRPr lang="ko-KR" altLang="en-US"/>
           </a:p>
@@ -2569,7 +2568,7 @@
           <a:p>
             <a:fld id="{8771C398-EBCC-4210-8AFD-1D056CED0821}" type="datetimeFigureOut">
               <a:rPr lang="ko-KR" altLang="en-US" smtClean="0"/>
-              <a:t>2019-11-21</a:t>
+              <a:t>2019-11-26</a:t>
             </a:fld>
             <a:endParaRPr lang="ko-KR" altLang="en-US"/>
           </a:p>
@@ -2788,7 +2787,7 @@
             <a:fld id="{8771C398-EBCC-4210-8AFD-1D056CED0821}" type="datetimeFigureOut">
               <a:rPr lang="ko-KR" altLang="en-US" smtClean="0"/>
               <a:pPr/>
-              <a:t>2019-11-21</a:t>
+              <a:t>2019-11-26</a:t>
             </a:fld>
             <a:endParaRPr lang="ko-KR" altLang="en-US" dirty="0"/>
           </a:p>
@@ -5467,8 +5466,8 @@
         </p:nvSpPr>
         <p:spPr>
           <a:xfrm>
-            <a:off x="1131046" y="1475568"/>
-            <a:ext cx="1154795" cy="504978"/>
+            <a:off x="352426" y="1475568"/>
+            <a:ext cx="856183" cy="374399"/>
           </a:xfrm>
           <a:prstGeom prst="rect">
             <a:avLst/>
@@ -5502,13 +5501,13 @@
           <a:p>
             <a:pPr algn="ctr"/>
             <a:r>
-              <a:rPr lang="ko-KR" altLang="en-US" sz="2000" spc="-150" dirty="0">
+              <a:rPr lang="ko-KR" altLang="en-US" sz="1400" spc="-150" dirty="0">
                 <a:latin typeface="Agency FB" panose="020B0503020202020204" pitchFamily="34" charset="0"/>
                 <a:ea typeface="맑은 고딕 Semilight" panose="020B0502040204020203" pitchFamily="50" charset="-127"/>
               </a:rPr>
               <a:t>품목</a:t>
             </a:r>
-            <a:endParaRPr lang="ko-KR" altLang="en-US" sz="2800" spc="-150" dirty="0">
+            <a:endParaRPr lang="ko-KR" altLang="en-US" spc="-150" dirty="0">
               <a:latin typeface="Agency FB" panose="020B0503020202020204" pitchFamily="34" charset="0"/>
               <a:ea typeface="맑은 고딕 Semilight" panose="020B0502040204020203" pitchFamily="50" charset="-127"/>
             </a:endParaRPr>
@@ -5523,8 +5522,8 @@
         </p:nvSpPr>
         <p:spPr>
           <a:xfrm>
-            <a:off x="1131046" y="2162433"/>
-            <a:ext cx="1154795" cy="504978"/>
+            <a:off x="352426" y="2162433"/>
+            <a:ext cx="856183" cy="374399"/>
           </a:xfrm>
           <a:prstGeom prst="rect">
             <a:avLst/>
@@ -5558,7 +5557,7 @@
           <a:p>
             <a:pPr algn="ctr"/>
             <a:r>
-              <a:rPr lang="ko-KR" altLang="en-US" sz="2000" spc="-150" dirty="0">
+              <a:rPr lang="ko-KR" altLang="en-US" sz="1400" spc="-150" dirty="0">
                 <a:latin typeface="Agency FB" panose="020B0503020202020204" pitchFamily="34" charset="0"/>
                 <a:ea typeface="맑은 고딕 Semilight" panose="020B0502040204020203" pitchFamily="50" charset="-127"/>
               </a:rPr>
@@ -5575,8 +5574,8 @@
         </p:nvSpPr>
         <p:spPr>
           <a:xfrm>
-            <a:off x="1131046" y="2915313"/>
-            <a:ext cx="1154795" cy="504978"/>
+            <a:off x="352426" y="2915313"/>
+            <a:ext cx="856183" cy="374399"/>
           </a:xfrm>
           <a:prstGeom prst="rect">
             <a:avLst/>
@@ -5610,13 +5609,13 @@
           <a:p>
             <a:pPr algn="ctr"/>
             <a:r>
-              <a:rPr lang="ko-KR" altLang="en-US" sz="2000" spc="-150" dirty="0" smtClean="0">
+              <a:rPr lang="ko-KR" altLang="en-US" sz="1400" spc="-150" dirty="0" smtClean="0">
                 <a:latin typeface="Agency FB" panose="020B0503020202020204" pitchFamily="34" charset="0"/>
                 <a:ea typeface="맑은 고딕 Semilight" panose="020B0502040204020203" pitchFamily="50" charset="-127"/>
               </a:rPr>
               <a:t>기능</a:t>
             </a:r>
-            <a:endParaRPr lang="ko-KR" altLang="en-US" sz="2000" spc="-150" dirty="0">
+            <a:endParaRPr lang="ko-KR" altLang="en-US" sz="1400" spc="-150" dirty="0">
               <a:latin typeface="Agency FB" panose="020B0503020202020204" pitchFamily="34" charset="0"/>
               <a:ea typeface="맑은 고딕 Semilight" panose="020B0502040204020203" pitchFamily="50" charset="-127"/>
             </a:endParaRPr>
@@ -5631,8 +5630,8 @@
         </p:nvSpPr>
         <p:spPr>
           <a:xfrm>
-            <a:off x="2378284" y="1457326"/>
-            <a:ext cx="3849795" cy="523220"/>
+            <a:off x="1368171" y="1457326"/>
+            <a:ext cx="2854300" cy="369332"/>
           </a:xfrm>
           <a:prstGeom prst="rect">
             <a:avLst/>
@@ -5646,20 +5645,20 @@
           <a:lstStyle/>
           <a:p>
             <a:r>
-              <a:rPr lang="ko-KR" altLang="en-US" sz="2800" dirty="0" err="1" smtClean="0">
+              <a:rPr lang="ko-KR" altLang="en-US" dirty="0" err="1" smtClean="0">
                 <a:latin typeface="맑은 고딕 Semilight" panose="020B0502040204020203" pitchFamily="50" charset="-127"/>
                 <a:ea typeface="맑은 고딕 Semilight" panose="020B0502040204020203" pitchFamily="50" charset="-127"/>
               </a:rPr>
               <a:t>애드온</a:t>
             </a:r>
             <a:r>
-              <a:rPr lang="ko-KR" altLang="en-US" sz="2800" dirty="0" smtClean="0">
+              <a:rPr lang="ko-KR" altLang="en-US" dirty="0" smtClean="0">
                 <a:latin typeface="맑은 고딕 Semilight" panose="020B0502040204020203" pitchFamily="50" charset="-127"/>
                 <a:ea typeface="맑은 고딕 Semilight" panose="020B0502040204020203" pitchFamily="50" charset="-127"/>
               </a:rPr>
               <a:t> 의류관리기</a:t>
             </a:r>
-            <a:endParaRPr lang="ko-KR" altLang="en-US" sz="2800" dirty="0">
+            <a:endParaRPr lang="ko-KR" altLang="en-US" dirty="0">
               <a:latin typeface="맑은 고딕 Semilight" panose="020B0502040204020203" pitchFamily="50" charset="-127"/>
               <a:ea typeface="맑은 고딕 Semilight" panose="020B0502040204020203" pitchFamily="50" charset="-127"/>
             </a:endParaRPr>
@@ -5674,8 +5673,8 @@
         </p:nvSpPr>
         <p:spPr>
           <a:xfrm>
-            <a:off x="2378285" y="2172111"/>
-            <a:ext cx="3733548" cy="523220"/>
+            <a:off x="1368171" y="2172111"/>
+            <a:ext cx="2768112" cy="369332"/>
           </a:xfrm>
           <a:prstGeom prst="rect">
             <a:avLst/>
@@ -5689,13 +5688,13 @@
           <a:lstStyle/>
           <a:p>
             <a:r>
-              <a:rPr lang="ko-KR" altLang="en-US" sz="2800" dirty="0" smtClean="0">
+              <a:rPr lang="ko-KR" altLang="en-US" dirty="0" smtClean="0">
                 <a:latin typeface="맑은 고딕 Semilight" panose="020B0502040204020203" pitchFamily="50" charset="-127"/>
                 <a:ea typeface="맑은 고딕 Semilight" panose="020B0502040204020203" pitchFamily="50" charset="-127"/>
               </a:rPr>
               <a:t>내 옷장을 부탁해</a:t>
             </a:r>
-            <a:endParaRPr lang="ko-KR" altLang="en-US" sz="2800" dirty="0">
+            <a:endParaRPr lang="ko-KR" altLang="en-US" dirty="0">
               <a:latin typeface="맑은 고딕 Semilight" panose="020B0502040204020203" pitchFamily="50" charset="-127"/>
               <a:ea typeface="맑은 고딕 Semilight" panose="020B0502040204020203" pitchFamily="50" charset="-127"/>
             </a:endParaRPr>
@@ -5710,8 +5709,8 @@
         </p:nvSpPr>
         <p:spPr>
           <a:xfrm>
-            <a:off x="2378285" y="2846643"/>
-            <a:ext cx="7751577" cy="3323987"/>
+            <a:off x="1348899" y="2806132"/>
+            <a:ext cx="5747143" cy="2169825"/>
           </a:xfrm>
           <a:prstGeom prst="rect">
             <a:avLst/>
@@ -5732,14 +5731,14 @@
               <a:buChar char="•"/>
             </a:pPr>
             <a:r>
-              <a:rPr lang="ko-KR" altLang="en-US" sz="2800" dirty="0" err="1">
+              <a:rPr lang="ko-KR" altLang="en-US" dirty="0" err="1">
                 <a:latin typeface="맑은 고딕 Semilight" panose="020B0502040204020203" pitchFamily="50" charset="-127"/>
                 <a:ea typeface="맑은 고딕 Semilight" panose="020B0502040204020203" pitchFamily="50" charset="-127"/>
               </a:rPr>
               <a:t>온습도</a:t>
             </a:r>
             <a:r>
-              <a:rPr lang="ko-KR" altLang="en-US" sz="2800" dirty="0">
+              <a:rPr lang="ko-KR" altLang="en-US" dirty="0">
                 <a:latin typeface="맑은 고딕 Semilight" panose="020B0502040204020203" pitchFamily="50" charset="-127"/>
                 <a:ea typeface="맑은 고딕 Semilight" panose="020B0502040204020203" pitchFamily="50" charset="-127"/>
               </a:rPr>
@@ -5755,34 +5754,80 @@
               <a:buChar char="•"/>
             </a:pPr>
             <a:r>
-              <a:rPr lang="ko-KR" altLang="en-US" sz="2800" dirty="0">
+              <a:rPr lang="ko-KR" altLang="en-US" dirty="0">
                 <a:latin typeface="맑은 고딕 Semilight" panose="020B0502040204020203" pitchFamily="50" charset="-127"/>
                 <a:ea typeface="맑은 고딕 Semilight" panose="020B0502040204020203" pitchFamily="50" charset="-127"/>
               </a:rPr>
               <a:t>확인한 습도 측정값이 </a:t>
             </a:r>
             <a:r>
-              <a:rPr lang="ko-KR" altLang="en-US" sz="2800" dirty="0" err="1">
+              <a:rPr lang="ko-KR" altLang="en-US" dirty="0" err="1">
                 <a:latin typeface="맑은 고딕 Semilight" panose="020B0502040204020203" pitchFamily="50" charset="-127"/>
                 <a:ea typeface="맑은 고딕 Semilight" panose="020B0502040204020203" pitchFamily="50" charset="-127"/>
               </a:rPr>
               <a:t>기준값</a:t>
             </a:r>
             <a:r>
-              <a:rPr lang="ko-KR" altLang="en-US" sz="2800" dirty="0">
-                <a:latin typeface="맑은 고딕 Semilight" panose="020B0502040204020203" pitchFamily="50" charset="-127"/>
-                <a:ea typeface="맑은 고딕 Semilight" panose="020B0502040204020203" pitchFamily="50" charset="-127"/>
-              </a:rPr>
-              <a:t> 이상일 때 팬을 작동시켜 옷장 내 공기를 환기시킨다</a:t>
-            </a:r>
-            <a:r>
-              <a:rPr lang="en-US" altLang="ko-KR" sz="2800" dirty="0">
+              <a:rPr lang="ko-KR" altLang="en-US" dirty="0">
+                <a:latin typeface="맑은 고딕 Semilight" panose="020B0502040204020203" pitchFamily="50" charset="-127"/>
+                <a:ea typeface="맑은 고딕 Semilight" panose="020B0502040204020203" pitchFamily="50" charset="-127"/>
+              </a:rPr>
+              <a:t> 이상일 </a:t>
+            </a:r>
+            <a:r>
+              <a:rPr lang="ko-KR" altLang="en-US" dirty="0" smtClean="0">
+                <a:latin typeface="맑은 고딕 Semilight" panose="020B0502040204020203" pitchFamily="50" charset="-127"/>
+                <a:ea typeface="맑은 고딕 Semilight" panose="020B0502040204020203" pitchFamily="50" charset="-127"/>
+              </a:rPr>
+              <a:t>때</a:t>
+            </a:r>
+            <a:endParaRPr lang="en-US" altLang="ko-KR" dirty="0" smtClean="0">
+              <a:latin typeface="맑은 고딕 Semilight" panose="020B0502040204020203" pitchFamily="50" charset="-127"/>
+              <a:ea typeface="맑은 고딕 Semilight" panose="020B0502040204020203" pitchFamily="50" charset="-127"/>
+            </a:endParaRPr>
+          </a:p>
+          <a:p>
+            <a:pPr fontAlgn="base">
+              <a:lnSpc>
+                <a:spcPct val="150000"/>
+              </a:lnSpc>
+            </a:pPr>
+            <a:r>
+              <a:rPr lang="en-US" altLang="ko-KR" dirty="0">
+                <a:latin typeface="맑은 고딕 Semilight" panose="020B0502040204020203" pitchFamily="50" charset="-127"/>
+                <a:ea typeface="맑은 고딕 Semilight" panose="020B0502040204020203" pitchFamily="50" charset="-127"/>
+              </a:rPr>
+              <a:t> </a:t>
+            </a:r>
+            <a:r>
+              <a:rPr lang="en-US" altLang="ko-KR" dirty="0" smtClean="0">
+                <a:latin typeface="맑은 고딕 Semilight" panose="020B0502040204020203" pitchFamily="50" charset="-127"/>
+                <a:ea typeface="맑은 고딕 Semilight" panose="020B0502040204020203" pitchFamily="50" charset="-127"/>
+              </a:rPr>
+              <a:t> </a:t>
+            </a:r>
+            <a:r>
+              <a:rPr lang="ko-KR" altLang="en-US" dirty="0" smtClean="0">
+                <a:latin typeface="맑은 고딕 Semilight" panose="020B0502040204020203" pitchFamily="50" charset="-127"/>
+                <a:ea typeface="맑은 고딕 Semilight" panose="020B0502040204020203" pitchFamily="50" charset="-127"/>
+              </a:rPr>
+              <a:t>팬을 </a:t>
+            </a:r>
+            <a:r>
+              <a:rPr lang="ko-KR" altLang="en-US" dirty="0">
+                <a:latin typeface="맑은 고딕 Semilight" panose="020B0502040204020203" pitchFamily="50" charset="-127"/>
+                <a:ea typeface="맑은 고딕 Semilight" panose="020B0502040204020203" pitchFamily="50" charset="-127"/>
+              </a:rPr>
+              <a:t>작동시켜 옷장 내 공기를 환기시킨다</a:t>
+            </a:r>
+            <a:r>
+              <a:rPr lang="en-US" altLang="ko-KR" dirty="0">
                 <a:latin typeface="맑은 고딕 Semilight" panose="020B0502040204020203" pitchFamily="50" charset="-127"/>
                 <a:ea typeface="맑은 고딕 Semilight" panose="020B0502040204020203" pitchFamily="50" charset="-127"/>
               </a:rPr>
               <a:t>.</a:t>
             </a:r>
-            <a:endParaRPr lang="ko-KR" altLang="en-US" sz="2800" dirty="0">
+            <a:endParaRPr lang="ko-KR" altLang="en-US" dirty="0">
               <a:latin typeface="맑은 고딕 Semilight" panose="020B0502040204020203" pitchFamily="50" charset="-127"/>
               <a:ea typeface="맑은 고딕 Semilight" panose="020B0502040204020203" pitchFamily="50" charset="-127"/>
             </a:endParaRPr>
@@ -5796,28 +5841,28 @@
               <a:buChar char="•"/>
             </a:pPr>
             <a:r>
-              <a:rPr lang="ko-KR" altLang="en-US" sz="2800" dirty="0">
+              <a:rPr lang="ko-KR" altLang="en-US" dirty="0">
                 <a:latin typeface="맑은 고딕 Semilight" panose="020B0502040204020203" pitchFamily="50" charset="-127"/>
                 <a:ea typeface="맑은 고딕 Semilight" panose="020B0502040204020203" pitchFamily="50" charset="-127"/>
               </a:rPr>
               <a:t>현재 온도 측정값을 </a:t>
             </a:r>
             <a:r>
-              <a:rPr lang="en-US" altLang="ko-KR" sz="2800" dirty="0" smtClean="0">
+              <a:rPr lang="en-US" altLang="ko-KR" dirty="0" smtClean="0">
                 <a:latin typeface="맑은 고딕 Semilight" panose="020B0502040204020203" pitchFamily="50" charset="-127"/>
                 <a:ea typeface="맑은 고딕 Semilight" panose="020B0502040204020203" pitchFamily="50" charset="-127"/>
               </a:rPr>
               <a:t>FND</a:t>
             </a:r>
             <a:r>
-              <a:rPr lang="ko-KR" altLang="en-US" sz="2800" dirty="0" smtClean="0">
+              <a:rPr lang="ko-KR" altLang="en-US" dirty="0" smtClean="0">
                 <a:latin typeface="맑은 고딕 Semilight" panose="020B0502040204020203" pitchFamily="50" charset="-127"/>
                 <a:ea typeface="맑은 고딕 Semilight" panose="020B0502040204020203" pitchFamily="50" charset="-127"/>
               </a:rPr>
               <a:t>에 </a:t>
             </a:r>
             <a:r>
-              <a:rPr lang="ko-KR" altLang="en-US" sz="2800" dirty="0">
+              <a:rPr lang="ko-KR" altLang="en-US" dirty="0">
                 <a:latin typeface="맑은 고딕 Semilight" panose="020B0502040204020203" pitchFamily="50" charset="-127"/>
                 <a:ea typeface="맑은 고딕 Semilight" panose="020B0502040204020203" pitchFamily="50" charset="-127"/>
               </a:rPr>
@@ -5833,42 +5878,402 @@
               <a:buChar char="•"/>
             </a:pPr>
             <a:r>
-              <a:rPr lang="ko-KR" altLang="en-US" sz="2800" dirty="0">
+              <a:rPr lang="ko-KR" altLang="en-US" dirty="0">
                 <a:latin typeface="맑은 고딕 Semilight" panose="020B0502040204020203" pitchFamily="50" charset="-127"/>
                 <a:ea typeface="맑은 고딕 Semilight" panose="020B0502040204020203" pitchFamily="50" charset="-127"/>
               </a:rPr>
               <a:t>현재 습도 </a:t>
             </a:r>
             <a:r>
-              <a:rPr lang="ko-KR" altLang="en-US" sz="2800" dirty="0" smtClean="0">
+              <a:rPr lang="ko-KR" altLang="en-US" dirty="0" smtClean="0">
                 <a:latin typeface="맑은 고딕 Semilight" panose="020B0502040204020203" pitchFamily="50" charset="-127"/>
                 <a:ea typeface="맑은 고딕 Semilight" panose="020B0502040204020203" pitchFamily="50" charset="-127"/>
               </a:rPr>
               <a:t>측정값 단계를 </a:t>
             </a:r>
             <a:r>
-              <a:rPr lang="en-US" altLang="ko-KR" sz="2800" dirty="0" smtClean="0">
+              <a:rPr lang="en-US" altLang="ko-KR" dirty="0" smtClean="0">
                 <a:latin typeface="맑은 고딕 Semilight" panose="020B0502040204020203" pitchFamily="50" charset="-127"/>
                 <a:ea typeface="맑은 고딕 Semilight" panose="020B0502040204020203" pitchFamily="50" charset="-127"/>
               </a:rPr>
               <a:t>LED</a:t>
             </a:r>
             <a:r>
-              <a:rPr lang="ko-KR" altLang="en-US" sz="2800" dirty="0" smtClean="0">
-                <a:latin typeface="맑은 고딕 Semilight" panose="020B0502040204020203" pitchFamily="50" charset="-127"/>
-                <a:ea typeface="맑은 고딕 Semilight" panose="020B0502040204020203" pitchFamily="50" charset="-127"/>
-              </a:rPr>
-              <a:t>로 </a:t>
-            </a:r>
-            <a:r>
-              <a:rPr lang="ko-KR" altLang="en-US" sz="2800" dirty="0" smtClean="0">
-                <a:latin typeface="맑은 고딕 Semilight" panose="020B0502040204020203" pitchFamily="50" charset="-127"/>
-                <a:ea typeface="맑은 고딕 Semilight" panose="020B0502040204020203" pitchFamily="50" charset="-127"/>
-              </a:rPr>
-              <a:t>표시한다</a:t>
-            </a:r>
-            <a:endParaRPr lang="en-US" altLang="ko-KR" sz="2800" dirty="0">
+              <a:rPr lang="ko-KR" altLang="en-US" dirty="0" smtClean="0">
+                <a:latin typeface="맑은 고딕 Semilight" panose="020B0502040204020203" pitchFamily="50" charset="-127"/>
+                <a:ea typeface="맑은 고딕 Semilight" panose="020B0502040204020203" pitchFamily="50" charset="-127"/>
+              </a:rPr>
+              <a:t>로 표시한다</a:t>
+            </a:r>
+            <a:endParaRPr lang="en-US" altLang="ko-KR" dirty="0">
               <a:latin typeface="맑은 고딕 Semilight" panose="020B0502040204020203" pitchFamily="50" charset="-127"/>
+              <a:ea typeface="맑은 고딕 Semilight" panose="020B0502040204020203" pitchFamily="50" charset="-127"/>
+            </a:endParaRPr>
+          </a:p>
+        </p:txBody>
+      </p:sp>
+      <p:grpSp>
+        <p:nvGrpSpPr>
+          <p:cNvPr id="26" name="그룹 25"/>
+          <p:cNvGrpSpPr/>
+          <p:nvPr/>
+        </p:nvGrpSpPr>
+        <p:grpSpPr>
+          <a:xfrm>
+            <a:off x="6566775" y="2133617"/>
+            <a:ext cx="4807730" cy="2842340"/>
+            <a:chOff x="2734588" y="1568369"/>
+            <a:chExt cx="6452301" cy="3814614"/>
+          </a:xfrm>
+        </p:grpSpPr>
+        <p:sp>
+          <p:nvSpPr>
+            <p:cNvPr id="27" name="타원 26"/>
+            <p:cNvSpPr/>
+            <p:nvPr/>
+          </p:nvSpPr>
+          <p:spPr>
+            <a:xfrm>
+              <a:off x="2734588" y="3624217"/>
+              <a:ext cx="1758766" cy="1758766"/>
+            </a:xfrm>
+            <a:prstGeom prst="ellipse">
+              <a:avLst/>
+            </a:prstGeom>
+            <a:solidFill>
+              <a:schemeClr val="accent4"/>
+            </a:solidFill>
+            <a:ln>
+              <a:noFill/>
+            </a:ln>
+          </p:spPr>
+          <p:style>
+            <a:lnRef idx="2">
+              <a:schemeClr val="accent1">
+                <a:shade val="50000"/>
+              </a:schemeClr>
+            </a:lnRef>
+            <a:fillRef idx="1">
+              <a:schemeClr val="accent1"/>
+            </a:fillRef>
+            <a:effectRef idx="0">
+              <a:schemeClr val="accent1"/>
+            </a:effectRef>
+            <a:fontRef idx="minor">
+              <a:schemeClr val="lt1"/>
+            </a:fontRef>
+          </p:style>
+          <p:txBody>
+            <a:bodyPr rtlCol="0" anchor="ctr"/>
+            <a:lstStyle/>
+            <a:p>
+              <a:pPr algn="ctr"/>
+              <a:endParaRPr lang="ko-KR" altLang="en-US" dirty="0">
+                <a:latin typeface="Agency FB" panose="020B0503020202020204" pitchFamily="34" charset="0"/>
+                <a:ea typeface="맑은 고딕 Semilight" panose="020B0502040204020203" pitchFamily="50" charset="-127"/>
+              </a:endParaRPr>
+            </a:p>
+          </p:txBody>
+        </p:sp>
+        <p:sp>
+          <p:nvSpPr>
+            <p:cNvPr id="28" name="TextBox 27"/>
+            <p:cNvSpPr txBox="1"/>
+            <p:nvPr/>
+          </p:nvSpPr>
+          <p:spPr>
+            <a:xfrm>
+              <a:off x="2971867" y="4255104"/>
+              <a:ext cx="1329957" cy="536975"/>
+            </a:xfrm>
+            <a:prstGeom prst="rect">
+              <a:avLst/>
+            </a:prstGeom>
+            <a:noFill/>
+          </p:spPr>
+          <p:txBody>
+            <a:bodyPr wrap="none" rtlCol="0">
+              <a:spAutoFit/>
+            </a:bodyPr>
+            <a:lstStyle/>
+            <a:p>
+              <a:pPr algn="ctr"/>
+              <a:r>
+                <a:rPr lang="en-US" altLang="ko-KR" sz="2000" b="1" dirty="0" smtClean="0">
+                  <a:solidFill>
+                    <a:schemeClr val="bg1"/>
+                  </a:solidFill>
+                  <a:latin typeface="Agency FB" panose="020B0503020202020204" pitchFamily="34" charset="0"/>
+                  <a:ea typeface="맑은 고딕 Semilight" panose="020B0502040204020203" pitchFamily="50" charset="-127"/>
+                </a:rPr>
+                <a:t>DC </a:t>
+              </a:r>
+              <a:r>
+                <a:rPr lang="ko-KR" altLang="en-US" sz="2000" b="1" dirty="0" smtClean="0">
+                  <a:solidFill>
+                    <a:schemeClr val="bg1"/>
+                  </a:solidFill>
+                  <a:latin typeface="Agency FB" panose="020B0503020202020204" pitchFamily="34" charset="0"/>
+                  <a:ea typeface="맑은 고딕 Semilight" panose="020B0502040204020203" pitchFamily="50" charset="-127"/>
+                </a:rPr>
+                <a:t>모터</a:t>
+              </a:r>
+              <a:endParaRPr lang="ko-KR" altLang="en-US" sz="2000" b="1" dirty="0">
+                <a:solidFill>
+                  <a:schemeClr val="bg1"/>
+                </a:solidFill>
+                <a:latin typeface="Agency FB" panose="020B0503020202020204" pitchFamily="34" charset="0"/>
+                <a:ea typeface="맑은 고딕 Semilight" panose="020B0502040204020203" pitchFamily="50" charset="-127"/>
+              </a:endParaRPr>
+            </a:p>
+          </p:txBody>
+        </p:sp>
+        <p:sp>
+          <p:nvSpPr>
+            <p:cNvPr id="29" name="타원 28"/>
+            <p:cNvSpPr/>
+            <p:nvPr/>
+          </p:nvSpPr>
+          <p:spPr>
+            <a:xfrm>
+              <a:off x="4772458" y="1568369"/>
+              <a:ext cx="2504608" cy="2504608"/>
+            </a:xfrm>
+            <a:prstGeom prst="ellipse">
+              <a:avLst/>
+            </a:prstGeom>
+            <a:solidFill>
+              <a:schemeClr val="accent4"/>
+            </a:solidFill>
+            <a:ln>
+              <a:noFill/>
+            </a:ln>
+          </p:spPr>
+          <p:style>
+            <a:lnRef idx="2">
+              <a:schemeClr val="accent1">
+                <a:shade val="50000"/>
+              </a:schemeClr>
+            </a:lnRef>
+            <a:fillRef idx="1">
+              <a:schemeClr val="accent1"/>
+            </a:fillRef>
+            <a:effectRef idx="0">
+              <a:schemeClr val="accent1"/>
+            </a:effectRef>
+            <a:fontRef idx="minor">
+              <a:schemeClr val="lt1"/>
+            </a:fontRef>
+          </p:style>
+          <p:txBody>
+            <a:bodyPr rtlCol="0" anchor="ctr"/>
+            <a:lstStyle/>
+            <a:p>
+              <a:pPr algn="ctr"/>
+              <a:endParaRPr lang="ko-KR" altLang="en-US" dirty="0">
+                <a:latin typeface="Agency FB" panose="020B0503020202020204" pitchFamily="34" charset="0"/>
+                <a:ea typeface="맑은 고딕 Semilight" panose="020B0502040204020203" pitchFamily="50" charset="-127"/>
+              </a:endParaRPr>
+            </a:p>
+          </p:txBody>
+        </p:sp>
+        <p:sp>
+          <p:nvSpPr>
+            <p:cNvPr id="30" name="TextBox 29"/>
+            <p:cNvSpPr txBox="1"/>
+            <p:nvPr/>
+          </p:nvSpPr>
+          <p:spPr>
+            <a:xfrm>
+              <a:off x="4752029" y="2559064"/>
+              <a:ext cx="2545464" cy="495669"/>
+            </a:xfrm>
+            <a:prstGeom prst="rect">
+              <a:avLst/>
+            </a:prstGeom>
+            <a:noFill/>
+          </p:spPr>
+          <p:txBody>
+            <a:bodyPr wrap="none" rtlCol="0">
+              <a:spAutoFit/>
+            </a:bodyPr>
+            <a:lstStyle/>
+            <a:p>
+              <a:pPr algn="ctr"/>
+              <a:r>
+                <a:rPr lang="ko-KR" altLang="en-US" b="1" dirty="0" err="1" smtClean="0">
+                  <a:solidFill>
+                    <a:schemeClr val="bg1"/>
+                  </a:solidFill>
+                  <a:latin typeface="Agency FB" panose="020B0503020202020204" pitchFamily="34" charset="0"/>
+                  <a:ea typeface="맑은 고딕 Semilight" panose="020B0502040204020203" pitchFamily="50" charset="-127"/>
+                </a:rPr>
+                <a:t>온습도</a:t>
+              </a:r>
+              <a:r>
+                <a:rPr lang="ko-KR" altLang="en-US" b="1" dirty="0" smtClean="0">
+                  <a:solidFill>
+                    <a:schemeClr val="bg1"/>
+                  </a:solidFill>
+                  <a:latin typeface="Agency FB" panose="020B0503020202020204" pitchFamily="34" charset="0"/>
+                  <a:ea typeface="맑은 고딕 Semilight" panose="020B0502040204020203" pitchFamily="50" charset="-127"/>
+                </a:rPr>
+                <a:t> 센서 모듈</a:t>
+              </a:r>
+              <a:endParaRPr lang="ko-KR" altLang="en-US" b="1" dirty="0">
+                <a:solidFill>
+                  <a:schemeClr val="bg1"/>
+                </a:solidFill>
+                <a:latin typeface="Agency FB" panose="020B0503020202020204" pitchFamily="34" charset="0"/>
+                <a:ea typeface="맑은 고딕 Semilight" panose="020B0502040204020203" pitchFamily="50" charset="-127"/>
+              </a:endParaRPr>
+            </a:p>
+          </p:txBody>
+        </p:sp>
+        <p:sp>
+          <p:nvSpPr>
+            <p:cNvPr id="31" name="타원 30"/>
+            <p:cNvSpPr/>
+            <p:nvPr/>
+          </p:nvSpPr>
+          <p:spPr>
+            <a:xfrm>
+              <a:off x="7428123" y="3624217"/>
+              <a:ext cx="1758766" cy="1758766"/>
+            </a:xfrm>
+            <a:prstGeom prst="ellipse">
+              <a:avLst/>
+            </a:prstGeom>
+            <a:solidFill>
+              <a:schemeClr val="accent4"/>
+            </a:solidFill>
+            <a:ln>
+              <a:noFill/>
+            </a:ln>
+          </p:spPr>
+          <p:style>
+            <a:lnRef idx="2">
+              <a:schemeClr val="accent1">
+                <a:shade val="50000"/>
+              </a:schemeClr>
+            </a:lnRef>
+            <a:fillRef idx="1">
+              <a:schemeClr val="accent1"/>
+            </a:fillRef>
+            <a:effectRef idx="0">
+              <a:schemeClr val="accent1"/>
+            </a:effectRef>
+            <a:fontRef idx="minor">
+              <a:schemeClr val="lt1"/>
+            </a:fontRef>
+          </p:style>
+          <p:txBody>
+            <a:bodyPr rtlCol="0" anchor="ctr"/>
+            <a:lstStyle/>
+            <a:p>
+              <a:pPr algn="ctr"/>
+              <a:endParaRPr lang="ko-KR" altLang="en-US" dirty="0">
+                <a:latin typeface="Agency FB" panose="020B0503020202020204" pitchFamily="34" charset="0"/>
+                <a:ea typeface="맑은 고딕 Semilight" panose="020B0502040204020203" pitchFamily="50" charset="-127"/>
+              </a:endParaRPr>
+            </a:p>
+          </p:txBody>
+        </p:sp>
+        <p:sp>
+          <p:nvSpPr>
+            <p:cNvPr id="32" name="TextBox 31"/>
+            <p:cNvSpPr txBox="1"/>
+            <p:nvPr/>
+          </p:nvSpPr>
+          <p:spPr>
+            <a:xfrm>
+              <a:off x="7949485" y="4255104"/>
+              <a:ext cx="703919" cy="536975"/>
+            </a:xfrm>
+            <a:prstGeom prst="rect">
+              <a:avLst/>
+            </a:prstGeom>
+            <a:noFill/>
+          </p:spPr>
+          <p:txBody>
+            <a:bodyPr wrap="none" rtlCol="0">
+              <a:spAutoFit/>
+            </a:bodyPr>
+            <a:lstStyle/>
+            <a:p>
+              <a:pPr algn="ctr"/>
+              <a:r>
+                <a:rPr lang="en-US" altLang="ko-KR" sz="2000" b="1" dirty="0" smtClean="0">
+                  <a:solidFill>
+                    <a:schemeClr val="bg1"/>
+                  </a:solidFill>
+                  <a:latin typeface="Agency FB" panose="020B0503020202020204" pitchFamily="34" charset="0"/>
+                  <a:ea typeface="맑은 고딕 Semilight" panose="020B0502040204020203" pitchFamily="50" charset="-127"/>
+                </a:rPr>
+                <a:t>FND</a:t>
+              </a:r>
+              <a:endParaRPr lang="ko-KR" altLang="en-US" sz="2000" b="1" dirty="0">
+                <a:solidFill>
+                  <a:schemeClr val="bg1"/>
+                </a:solidFill>
+                <a:latin typeface="Agency FB" panose="020B0503020202020204" pitchFamily="34" charset="0"/>
+                <a:ea typeface="맑은 고딕 Semilight" panose="020B0502040204020203" pitchFamily="50" charset="-127"/>
+              </a:endParaRPr>
+            </a:p>
+          </p:txBody>
+        </p:sp>
+      </p:grpSp>
+      <p:sp>
+        <p:nvSpPr>
+          <p:cNvPr id="41" name="직사각형 40"/>
+          <p:cNvSpPr/>
+          <p:nvPr/>
+        </p:nvSpPr>
+        <p:spPr>
+          <a:xfrm>
+            <a:off x="6271620" y="1409136"/>
+            <a:ext cx="856183" cy="374399"/>
+          </a:xfrm>
+          <a:prstGeom prst="rect">
+            <a:avLst/>
+          </a:prstGeom>
+          <a:solidFill>
+            <a:schemeClr val="accent5"/>
+          </a:solidFill>
+          <a:ln>
+            <a:noFill/>
+          </a:ln>
+        </p:spPr>
+        <p:style>
+          <a:lnRef idx="2">
+            <a:schemeClr val="accent1">
+              <a:shade val="50000"/>
+            </a:schemeClr>
+          </a:lnRef>
+          <a:fillRef idx="1">
+            <a:schemeClr val="accent1"/>
+          </a:fillRef>
+          <a:effectRef idx="0">
+            <a:schemeClr val="accent1"/>
+          </a:effectRef>
+          <a:fontRef idx="minor">
+            <a:schemeClr val="lt1"/>
+          </a:fontRef>
+        </p:style>
+        <p:txBody>
+          <a:bodyPr rtlCol="0" anchor="ctr"/>
+          <a:lstStyle/>
+          <a:p>
+            <a:pPr algn="ctr"/>
+            <a:r>
+              <a:rPr lang="ko-KR" altLang="en-US" sz="1400" spc="-150" dirty="0" smtClean="0">
+                <a:latin typeface="Agency FB" panose="020B0503020202020204" pitchFamily="34" charset="0"/>
+                <a:ea typeface="맑은 고딕 Semilight" panose="020B0502040204020203" pitchFamily="50" charset="-127"/>
+              </a:rPr>
+              <a:t>주요 부품</a:t>
+            </a:r>
+            <a:endParaRPr lang="ko-KR" altLang="en-US" spc="-150" dirty="0">
+              <a:latin typeface="Agency FB" panose="020B0503020202020204" pitchFamily="34" charset="0"/>
               <a:ea typeface="맑은 고딕 Semilight" panose="020B0502040204020203" pitchFamily="50" charset="-127"/>
             </a:endParaRPr>
           </a:p>
@@ -5919,36 +6324,6 @@
           <a:chExt cx="0" cy="0"/>
         </a:xfrm>
       </p:grpSpPr>
-      <p:pic>
-        <p:nvPicPr>
-          <p:cNvPr id="12" name="그림 11"/>
-          <p:cNvPicPr>
-            <a:picLocks noChangeAspect="1"/>
-          </p:cNvPicPr>
-          <p:nvPr/>
-        </p:nvPicPr>
-        <p:blipFill>
-          <a:blip r:embed="rId2">
-            <a:extLst>
-              <a:ext uri="{28A0092B-C50C-407E-A947-70E740481C1C}">
-                <a14:useLocalDpi xmlns:a14="http://schemas.microsoft.com/office/drawing/2010/main" val="0"/>
-              </a:ext>
-            </a:extLst>
-          </a:blip>
-          <a:stretch>
-            <a:fillRect/>
-          </a:stretch>
-        </p:blipFill>
-        <p:spPr>
-          <a:xfrm>
-            <a:off x="4061470" y="1102864"/>
-            <a:ext cx="5238750" cy="5238750"/>
-          </a:xfrm>
-          <a:prstGeom prst="rect">
-            <a:avLst/>
-          </a:prstGeom>
-        </p:spPr>
-      </p:pic>
       <p:grpSp>
         <p:nvGrpSpPr>
           <p:cNvPr id="2" name="그룹 1"/>
@@ -6021,7 +6396,7 @@
             <p:nvPr/>
           </p:nvPicPr>
           <p:blipFill rotWithShape="1">
-            <a:blip r:embed="rId3" cstate="print">
+            <a:blip r:embed="rId2" cstate="print">
               <a:duotone>
                 <a:prstClr val="black"/>
                 <a:schemeClr val="accent6">
@@ -6183,10 +6558,10 @@
                 <a:latin typeface="Agency FB" panose="020B0503020202020204" pitchFamily="34" charset="0"/>
                 <a:ea typeface="맑은 고딕 Semilight" panose="020B0502040204020203" pitchFamily="50" charset="-127"/>
               </a:rPr>
-              <a:t>내 옷장을 부탁해</a:t>
-            </a:r>
-            <a:r>
-              <a:rPr lang="en-US" altLang="ko-KR" sz="1100" dirty="0">
+              <a:t>내 옷장을 </a:t>
+            </a:r>
+            <a:r>
+              <a:rPr lang="ko-KR" altLang="en-US" sz="1100" dirty="0" smtClean="0">
                 <a:solidFill>
                   <a:schemeClr val="accent4">
                     <a:lumMod val="20000"/>
@@ -6196,514 +6571,582 @@
                 <a:latin typeface="Agency FB" panose="020B0503020202020204" pitchFamily="34" charset="0"/>
                 <a:ea typeface="맑은 고딕 Semilight" panose="020B0502040204020203" pitchFamily="50" charset="-127"/>
               </a:rPr>
+              <a:t>부탁해</a:t>
+            </a:r>
+            <a:r>
+              <a:rPr lang="en-US" altLang="ko-KR" sz="1100" dirty="0" smtClean="0">
+                <a:solidFill>
+                  <a:schemeClr val="accent4">
+                    <a:lumMod val="20000"/>
+                    <a:lumOff val="80000"/>
+                  </a:schemeClr>
+                </a:solidFill>
+                <a:latin typeface="Agency FB" panose="020B0503020202020204" pitchFamily="34" charset="0"/>
+                <a:ea typeface="맑은 고딕 Semilight" panose="020B0502040204020203" pitchFamily="50" charset="-127"/>
+              </a:rPr>
               <a:t>＇</a:t>
             </a:r>
-          </a:p>
-        </p:txBody>
-      </p:sp>
-      <p:pic>
-        <p:nvPicPr>
-          <p:cNvPr id="5" name="그림 4"/>
-          <p:cNvPicPr>
-            <a:picLocks noChangeAspect="1"/>
-          </p:cNvPicPr>
+            <a:endParaRPr lang="en-US" altLang="ko-KR" sz="1100" dirty="0">
+              <a:solidFill>
+                <a:schemeClr val="accent4">
+                  <a:lumMod val="20000"/>
+                  <a:lumOff val="80000"/>
+                </a:schemeClr>
+              </a:solidFill>
+              <a:latin typeface="Agency FB" panose="020B0503020202020204" pitchFamily="34" charset="0"/>
+              <a:ea typeface="맑은 고딕 Semilight" panose="020B0502040204020203" pitchFamily="50" charset="-127"/>
+            </a:endParaRPr>
+          </a:p>
+        </p:txBody>
+      </p:sp>
+      <p:grpSp>
+        <p:nvGrpSpPr>
+          <p:cNvPr id="3" name="그룹 2"/>
+          <p:cNvGrpSpPr/>
           <p:nvPr/>
-        </p:nvPicPr>
-        <p:blipFill>
-          <a:blip r:embed="rId4" cstate="print">
-            <a:extLst>
-              <a:ext uri="{BEBA8EAE-BF5A-486C-A8C5-ECC9F3942E4B}">
-                <a14:imgProps xmlns:a14="http://schemas.microsoft.com/office/drawing/2010/main">
-                  <a14:imgLayer r:embed="rId5">
-                    <a14:imgEffect>
-                      <a14:backgroundRemoval t="10000" b="90000" l="10000" r="90000"/>
-                    </a14:imgEffect>
-                  </a14:imgLayer>
-                </a14:imgProps>
-              </a:ext>
-              <a:ext uri="{28A0092B-C50C-407E-A947-70E740481C1C}">
-                <a14:useLocalDpi xmlns:a14="http://schemas.microsoft.com/office/drawing/2010/main" val="0"/>
-              </a:ext>
-            </a:extLst>
-          </a:blip>
-          <a:stretch>
-            <a:fillRect/>
-          </a:stretch>
-        </p:blipFill>
-        <p:spPr>
+        </p:nvGrpSpPr>
+        <p:grpSpPr>
           <a:xfrm>
-            <a:off x="5049538" y="2655168"/>
-            <a:ext cx="910245" cy="684063"/>
+            <a:off x="661333" y="1102864"/>
+            <a:ext cx="10843064" cy="5238750"/>
+            <a:chOff x="1277721" y="1102864"/>
+            <a:chExt cx="10843064" cy="5238750"/>
           </a:xfrm>
-          <a:prstGeom prst="rect">
-            <a:avLst/>
-          </a:prstGeom>
-        </p:spPr>
-      </p:pic>
-      <p:pic>
-        <p:nvPicPr>
-          <p:cNvPr id="8" name="그림 7"/>
-          <p:cNvPicPr>
-            <a:picLocks noChangeAspect="1"/>
-          </p:cNvPicPr>
-          <p:nvPr/>
-        </p:nvPicPr>
-        <p:blipFill>
-          <a:blip r:embed="rId6" cstate="print">
-            <a:extLst>
-              <a:ext uri="{BEBA8EAE-BF5A-486C-A8C5-ECC9F3942E4B}">
-                <a14:imgProps xmlns:a14="http://schemas.microsoft.com/office/drawing/2010/main">
-                  <a14:imgLayer r:embed="rId7">
-                    <a14:imgEffect>
-                      <a14:backgroundRemoval t="9929" b="89894" l="9983" r="94010">
-                        <a14:foregroundMark x1="19634" y1="38121" x2="23627" y2="42908"/>
-                        <a14:foregroundMark x1="24626" y1="35638" x2="29118" y2="41135"/>
-                        <a14:foregroundMark x1="91348" y1="40957" x2="94010" y2="47695"/>
-                      </a14:backgroundRemoval>
-                    </a14:imgEffect>
-                  </a14:imgLayer>
-                </a14:imgProps>
-              </a:ext>
-              <a:ext uri="{28A0092B-C50C-407E-A947-70E740481C1C}">
-                <a14:useLocalDpi xmlns:a14="http://schemas.microsoft.com/office/drawing/2010/main" val="0"/>
-              </a:ext>
-            </a:extLst>
-          </a:blip>
-          <a:stretch>
-            <a:fillRect/>
-          </a:stretch>
-        </p:blipFill>
-        <p:spPr>
-          <a:xfrm>
-            <a:off x="7239960" y="4103152"/>
-            <a:ext cx="1546000" cy="1450822"/>
-          </a:xfrm>
-          <a:prstGeom prst="rect">
-            <a:avLst/>
-          </a:prstGeom>
-        </p:spPr>
-      </p:pic>
-      <p:sp>
-        <p:nvSpPr>
-          <p:cNvPr id="13" name="TextBox 12"/>
-          <p:cNvSpPr txBox="1"/>
-          <p:nvPr/>
-        </p:nvSpPr>
-        <p:spPr>
-          <a:xfrm>
-            <a:off x="9438640" y="1912566"/>
-            <a:ext cx="2682145" cy="1200329"/>
-          </a:xfrm>
-          <a:prstGeom prst="rect">
-            <a:avLst/>
-          </a:prstGeom>
-          <a:noFill/>
-        </p:spPr>
-        <p:txBody>
-          <a:bodyPr wrap="none" rtlCol="0">
-            <a:spAutoFit/>
-          </a:bodyPr>
-          <a:lstStyle/>
-          <a:p>
-            <a:r>
-              <a:rPr lang="ko-KR" altLang="en-US" dirty="0" smtClean="0">
+        </p:grpSpPr>
+        <p:pic>
+          <p:nvPicPr>
+            <p:cNvPr id="12" name="그림 11"/>
+            <p:cNvPicPr>
+              <a:picLocks noChangeAspect="1"/>
+            </p:cNvPicPr>
+            <p:nvPr/>
+          </p:nvPicPr>
+          <p:blipFill>
+            <a:blip r:embed="rId3">
+              <a:extLst>
+                <a:ext uri="{28A0092B-C50C-407E-A947-70E740481C1C}">
+                  <a14:useLocalDpi xmlns:a14="http://schemas.microsoft.com/office/drawing/2010/main" val="0"/>
+                </a:ext>
+              </a:extLst>
+            </a:blip>
+            <a:stretch>
+              <a:fillRect/>
+            </a:stretch>
+          </p:blipFill>
+          <p:spPr>
+            <a:xfrm>
+              <a:off x="4061470" y="1102864"/>
+              <a:ext cx="5238750" cy="5238750"/>
+            </a:xfrm>
+            <a:prstGeom prst="rect">
+              <a:avLst/>
+            </a:prstGeom>
+          </p:spPr>
+        </p:pic>
+        <p:pic>
+          <p:nvPicPr>
+            <p:cNvPr id="5" name="그림 4"/>
+            <p:cNvPicPr>
+              <a:picLocks noChangeAspect="1"/>
+            </p:cNvPicPr>
+            <p:nvPr/>
+          </p:nvPicPr>
+          <p:blipFill>
+            <a:blip r:embed="rId4" cstate="print">
+              <a:extLst>
+                <a:ext uri="{BEBA8EAE-BF5A-486C-A8C5-ECC9F3942E4B}">
+                  <a14:imgProps xmlns:a14="http://schemas.microsoft.com/office/drawing/2010/main">
+                    <a14:imgLayer r:embed="rId5">
+                      <a14:imgEffect>
+                        <a14:backgroundRemoval t="10000" b="90000" l="10000" r="90000"/>
+                      </a14:imgEffect>
+                    </a14:imgLayer>
+                  </a14:imgProps>
+                </a:ext>
+                <a:ext uri="{28A0092B-C50C-407E-A947-70E740481C1C}">
+                  <a14:useLocalDpi xmlns:a14="http://schemas.microsoft.com/office/drawing/2010/main" val="0"/>
+                </a:ext>
+              </a:extLst>
+            </a:blip>
+            <a:stretch>
+              <a:fillRect/>
+            </a:stretch>
+          </p:blipFill>
+          <p:spPr>
+            <a:xfrm>
+              <a:off x="5049538" y="2655168"/>
+              <a:ext cx="910245" cy="684063"/>
+            </a:xfrm>
+            <a:prstGeom prst="rect">
+              <a:avLst/>
+            </a:prstGeom>
+          </p:spPr>
+        </p:pic>
+        <p:pic>
+          <p:nvPicPr>
+            <p:cNvPr id="8" name="그림 7"/>
+            <p:cNvPicPr>
+              <a:picLocks noChangeAspect="1"/>
+            </p:cNvPicPr>
+            <p:nvPr/>
+          </p:nvPicPr>
+          <p:blipFill>
+            <a:blip r:embed="rId6" cstate="print">
+              <a:extLst>
+                <a:ext uri="{BEBA8EAE-BF5A-486C-A8C5-ECC9F3942E4B}">
+                  <a14:imgProps xmlns:a14="http://schemas.microsoft.com/office/drawing/2010/main">
+                    <a14:imgLayer r:embed="rId7">
+                      <a14:imgEffect>
+                        <a14:backgroundRemoval t="9929" b="89894" l="9983" r="94010">
+                          <a14:foregroundMark x1="19634" y1="38121" x2="23627" y2="42908"/>
+                          <a14:foregroundMark x1="24626" y1="35638" x2="29118" y2="41135"/>
+                          <a14:foregroundMark x1="91348" y1="40957" x2="94010" y2="47695"/>
+                        </a14:backgroundRemoval>
+                      </a14:imgEffect>
+                    </a14:imgLayer>
+                  </a14:imgProps>
+                </a:ext>
+                <a:ext uri="{28A0092B-C50C-407E-A947-70E740481C1C}">
+                  <a14:useLocalDpi xmlns:a14="http://schemas.microsoft.com/office/drawing/2010/main" val="0"/>
+                </a:ext>
+              </a:extLst>
+            </a:blip>
+            <a:stretch>
+              <a:fillRect/>
+            </a:stretch>
+          </p:blipFill>
+          <p:spPr>
+            <a:xfrm>
+              <a:off x="7239960" y="4103152"/>
+              <a:ext cx="1546000" cy="1450822"/>
+            </a:xfrm>
+            <a:prstGeom prst="rect">
+              <a:avLst/>
+            </a:prstGeom>
+          </p:spPr>
+        </p:pic>
+        <p:sp>
+          <p:nvSpPr>
+            <p:cNvPr id="13" name="TextBox 12"/>
+            <p:cNvSpPr txBox="1"/>
+            <p:nvPr/>
+          </p:nvSpPr>
+          <p:spPr>
+            <a:xfrm>
+              <a:off x="9438640" y="1912566"/>
+              <a:ext cx="2682145" cy="1200329"/>
+            </a:xfrm>
+            <a:prstGeom prst="rect">
+              <a:avLst/>
+            </a:prstGeom>
+            <a:noFill/>
+          </p:spPr>
+          <p:txBody>
+            <a:bodyPr wrap="none" rtlCol="0">
+              <a:spAutoFit/>
+            </a:bodyPr>
+            <a:lstStyle/>
+            <a:p>
+              <a:r>
+                <a:rPr lang="ko-KR" altLang="en-US" dirty="0" smtClean="0">
+                  <a:solidFill>
+                    <a:schemeClr val="bg1"/>
+                  </a:solidFill>
+                  <a:latin typeface="맑은 고딕 Semilight" panose="020B0502040204020203" pitchFamily="50" charset="-127"/>
+                  <a:ea typeface="맑은 고딕 Semilight" panose="020B0502040204020203" pitchFamily="50" charset="-127"/>
+                  <a:cs typeface="맑은 고딕 Semilight" panose="020B0502040204020203" pitchFamily="50" charset="-127"/>
+                </a:rPr>
+                <a:t>습도 </a:t>
+              </a:r>
+              <a:r>
+                <a:rPr lang="ko-KR" altLang="en-US" dirty="0" err="1" smtClean="0">
+                  <a:solidFill>
+                    <a:schemeClr val="bg1"/>
+                  </a:solidFill>
+                  <a:latin typeface="맑은 고딕 Semilight" panose="020B0502040204020203" pitchFamily="50" charset="-127"/>
+                  <a:ea typeface="맑은 고딕 Semilight" panose="020B0502040204020203" pitchFamily="50" charset="-127"/>
+                  <a:cs typeface="맑은 고딕 Semilight" panose="020B0502040204020203" pitchFamily="50" charset="-127"/>
+                </a:rPr>
+                <a:t>기준값</a:t>
+              </a:r>
+              <a:r>
+                <a:rPr lang="ko-KR" altLang="en-US" dirty="0" smtClean="0">
+                  <a:solidFill>
+                    <a:schemeClr val="bg1"/>
+                  </a:solidFill>
+                  <a:latin typeface="맑은 고딕 Semilight" panose="020B0502040204020203" pitchFamily="50" charset="-127"/>
+                  <a:ea typeface="맑은 고딕 Semilight" panose="020B0502040204020203" pitchFamily="50" charset="-127"/>
+                  <a:cs typeface="맑은 고딕 Semilight" panose="020B0502040204020203" pitchFamily="50" charset="-127"/>
+                </a:rPr>
+                <a:t> </a:t>
+              </a:r>
+              <a:r>
+                <a:rPr lang="ko-KR" altLang="en-US" dirty="0" err="1" smtClean="0">
+                  <a:solidFill>
+                    <a:schemeClr val="bg1"/>
+                  </a:solidFill>
+                  <a:latin typeface="맑은 고딕 Semilight" panose="020B0502040204020203" pitchFamily="50" charset="-127"/>
+                  <a:ea typeface="맑은 고딕 Semilight" panose="020B0502040204020203" pitchFamily="50" charset="-127"/>
+                  <a:cs typeface="맑은 고딕 Semilight" panose="020B0502040204020203" pitchFamily="50" charset="-127"/>
+                </a:rPr>
+                <a:t>이상일때</a:t>
+              </a:r>
+              <a:endParaRPr lang="en-US" altLang="ko-KR" dirty="0" smtClean="0">
                 <a:solidFill>
                   <a:schemeClr val="bg1"/>
                 </a:solidFill>
                 <a:latin typeface="맑은 고딕 Semilight" panose="020B0502040204020203" pitchFamily="50" charset="-127"/>
                 <a:ea typeface="맑은 고딕 Semilight" panose="020B0502040204020203" pitchFamily="50" charset="-127"/>
                 <a:cs typeface="맑은 고딕 Semilight" panose="020B0502040204020203" pitchFamily="50" charset="-127"/>
-              </a:rPr>
-              <a:t>습도 </a:t>
-            </a:r>
-            <a:r>
-              <a:rPr lang="ko-KR" altLang="en-US" dirty="0" err="1" smtClean="0">
+              </a:endParaRPr>
+            </a:p>
+            <a:p>
+              <a:pPr marL="285750" indent="-285750">
+                <a:buFont typeface="Arial" panose="020B0604020202020204" pitchFamily="34" charset="0"/>
+                <a:buChar char="•"/>
+              </a:pPr>
+              <a:r>
+                <a:rPr lang="ko-KR" altLang="en-US" dirty="0" smtClean="0">
+                  <a:solidFill>
+                    <a:schemeClr val="bg1"/>
+                  </a:solidFill>
+                  <a:latin typeface="맑은 고딕 Semilight" panose="020B0502040204020203" pitchFamily="50" charset="-127"/>
+                  <a:ea typeface="맑은 고딕 Semilight" panose="020B0502040204020203" pitchFamily="50" charset="-127"/>
+                  <a:cs typeface="맑은 고딕 Semilight" panose="020B0502040204020203" pitchFamily="50" charset="-127"/>
+                </a:rPr>
+                <a:t>환풍기 가동</a:t>
+              </a:r>
+              <a:endParaRPr lang="en-US" altLang="ko-KR" dirty="0" smtClean="0">
                 <a:solidFill>
                   <a:schemeClr val="bg1"/>
                 </a:solidFill>
                 <a:latin typeface="맑은 고딕 Semilight" panose="020B0502040204020203" pitchFamily="50" charset="-127"/>
                 <a:ea typeface="맑은 고딕 Semilight" panose="020B0502040204020203" pitchFamily="50" charset="-127"/>
                 <a:cs typeface="맑은 고딕 Semilight" panose="020B0502040204020203" pitchFamily="50" charset="-127"/>
-              </a:rPr>
-              <a:t>기준값</a:t>
-            </a:r>
-            <a:r>
-              <a:rPr lang="ko-KR" altLang="en-US" dirty="0" smtClean="0">
+              </a:endParaRPr>
+            </a:p>
+            <a:p>
+              <a:pPr marL="285750" indent="-285750">
+                <a:buFont typeface="Arial" panose="020B0604020202020204" pitchFamily="34" charset="0"/>
+                <a:buChar char="•"/>
+              </a:pPr>
+              <a:r>
+                <a:rPr lang="ko-KR" altLang="en-US" dirty="0" smtClean="0">
+                  <a:solidFill>
+                    <a:schemeClr val="bg1"/>
+                  </a:solidFill>
+                  <a:latin typeface="맑은 고딕 Semilight" panose="020B0502040204020203" pitchFamily="50" charset="-127"/>
+                  <a:ea typeface="맑은 고딕 Semilight" panose="020B0502040204020203" pitchFamily="50" charset="-127"/>
+                  <a:cs typeface="맑은 고딕 Semilight" panose="020B0502040204020203" pitchFamily="50" charset="-127"/>
+                </a:rPr>
+                <a:t>옷장 뒷면의 </a:t>
+              </a:r>
+              <a:r>
+                <a:rPr lang="ko-KR" altLang="en-US" dirty="0" err="1" smtClean="0">
+                  <a:solidFill>
+                    <a:schemeClr val="bg1"/>
+                  </a:solidFill>
+                  <a:latin typeface="맑은 고딕 Semilight" panose="020B0502040204020203" pitchFamily="50" charset="-127"/>
+                  <a:ea typeface="맑은 고딕 Semilight" panose="020B0502040204020203" pitchFamily="50" charset="-127"/>
+                  <a:cs typeface="맑은 고딕 Semilight" panose="020B0502040204020203" pitchFamily="50" charset="-127"/>
+                </a:rPr>
+                <a:t>환기구를</a:t>
+              </a:r>
+              <a:endParaRPr lang="en-US" altLang="ko-KR" dirty="0">
                 <a:solidFill>
                   <a:schemeClr val="bg1"/>
                 </a:solidFill>
                 <a:latin typeface="맑은 고딕 Semilight" panose="020B0502040204020203" pitchFamily="50" charset="-127"/>
                 <a:ea typeface="맑은 고딕 Semilight" panose="020B0502040204020203" pitchFamily="50" charset="-127"/>
                 <a:cs typeface="맑은 고딕 Semilight" panose="020B0502040204020203" pitchFamily="50" charset="-127"/>
-              </a:rPr>
-              <a:t> </a:t>
-            </a:r>
-            <a:r>
-              <a:rPr lang="ko-KR" altLang="en-US" dirty="0" err="1" smtClean="0">
+              </a:endParaRPr>
+            </a:p>
+            <a:p>
+              <a:r>
+                <a:rPr lang="en-US" altLang="ko-KR" dirty="0" smtClean="0">
+                  <a:solidFill>
+                    <a:schemeClr val="bg1"/>
+                  </a:solidFill>
+                  <a:latin typeface="맑은 고딕 Semilight" panose="020B0502040204020203" pitchFamily="50" charset="-127"/>
+                  <a:ea typeface="맑은 고딕 Semilight" panose="020B0502040204020203" pitchFamily="50" charset="-127"/>
+                  <a:cs typeface="맑은 고딕 Semilight" panose="020B0502040204020203" pitchFamily="50" charset="-127"/>
+                </a:rPr>
+                <a:t>     </a:t>
+              </a:r>
+              <a:r>
+                <a:rPr lang="ko-KR" altLang="en-US" dirty="0" smtClean="0">
+                  <a:solidFill>
+                    <a:schemeClr val="bg1"/>
+                  </a:solidFill>
+                  <a:latin typeface="맑은 고딕 Semilight" panose="020B0502040204020203" pitchFamily="50" charset="-127"/>
+                  <a:ea typeface="맑은 고딕 Semilight" panose="020B0502040204020203" pitchFamily="50" charset="-127"/>
+                  <a:cs typeface="맑은 고딕 Semilight" panose="020B0502040204020203" pitchFamily="50" charset="-127"/>
+                </a:rPr>
+                <a:t>통하여 환기</a:t>
+              </a:r>
+              <a:endParaRPr lang="en-US" altLang="ko-KR" dirty="0">
                 <a:solidFill>
                   <a:schemeClr val="bg1"/>
                 </a:solidFill>
                 <a:latin typeface="맑은 고딕 Semilight" panose="020B0502040204020203" pitchFamily="50" charset="-127"/>
                 <a:ea typeface="맑은 고딕 Semilight" panose="020B0502040204020203" pitchFamily="50" charset="-127"/>
                 <a:cs typeface="맑은 고딕 Semilight" panose="020B0502040204020203" pitchFamily="50" charset="-127"/>
-              </a:rPr>
-              <a:t>이상일때</a:t>
-            </a:r>
-            <a:endParaRPr lang="en-US" altLang="ko-KR" dirty="0" smtClean="0">
-              <a:solidFill>
-                <a:schemeClr val="bg1"/>
-              </a:solidFill>
-              <a:latin typeface="맑은 고딕 Semilight" panose="020B0502040204020203" pitchFamily="50" charset="-127"/>
-              <a:ea typeface="맑은 고딕 Semilight" panose="020B0502040204020203" pitchFamily="50" charset="-127"/>
-              <a:cs typeface="맑은 고딕 Semilight" panose="020B0502040204020203" pitchFamily="50" charset="-127"/>
-            </a:endParaRPr>
-          </a:p>
-          <a:p>
-            <a:pPr marL="285750" indent="-285750">
-              <a:buFont typeface="Arial" panose="020B0604020202020204" pitchFamily="34" charset="0"/>
-              <a:buChar char="•"/>
-            </a:pPr>
-            <a:r>
-              <a:rPr lang="ko-KR" altLang="en-US" dirty="0" smtClean="0">
+              </a:endParaRPr>
+            </a:p>
+          </p:txBody>
+        </p:sp>
+        <p:sp>
+          <p:nvSpPr>
+            <p:cNvPr id="14" name="TextBox 13"/>
+            <p:cNvSpPr txBox="1"/>
+            <p:nvPr/>
+          </p:nvSpPr>
+          <p:spPr>
+            <a:xfrm>
+              <a:off x="1277721" y="4076646"/>
+              <a:ext cx="2475358" cy="1477328"/>
+            </a:xfrm>
+            <a:prstGeom prst="rect">
+              <a:avLst/>
+            </a:prstGeom>
+            <a:noFill/>
+          </p:spPr>
+          <p:txBody>
+            <a:bodyPr wrap="none" rtlCol="0">
+              <a:spAutoFit/>
+            </a:bodyPr>
+            <a:lstStyle/>
+            <a:p>
+              <a:r>
+                <a:rPr lang="ko-KR" altLang="en-US" dirty="0" smtClean="0">
+                  <a:solidFill>
+                    <a:schemeClr val="bg1"/>
+                  </a:solidFill>
+                  <a:latin typeface="맑은 고딕 Semilight" panose="020B0502040204020203" pitchFamily="50" charset="-127"/>
+                  <a:ea typeface="맑은 고딕 Semilight" panose="020B0502040204020203" pitchFamily="50" charset="-127"/>
+                  <a:cs typeface="맑은 고딕 Semilight" panose="020B0502040204020203" pitchFamily="50" charset="-127"/>
+                </a:rPr>
+                <a:t>옷장 내부의</a:t>
+              </a:r>
+              <a:endParaRPr lang="en-US" altLang="ko-KR" dirty="0" smtClean="0">
                 <a:solidFill>
                   <a:schemeClr val="bg1"/>
                 </a:solidFill>
                 <a:latin typeface="맑은 고딕 Semilight" panose="020B0502040204020203" pitchFamily="50" charset="-127"/>
                 <a:ea typeface="맑은 고딕 Semilight" panose="020B0502040204020203" pitchFamily="50" charset="-127"/>
                 <a:cs typeface="맑은 고딕 Semilight" panose="020B0502040204020203" pitchFamily="50" charset="-127"/>
-              </a:rPr>
-              <a:t>환풍기 가동</a:t>
-            </a:r>
-            <a:endParaRPr lang="en-US" altLang="ko-KR" dirty="0" smtClean="0">
-              <a:solidFill>
-                <a:schemeClr val="bg1"/>
-              </a:solidFill>
-              <a:latin typeface="맑은 고딕 Semilight" panose="020B0502040204020203" pitchFamily="50" charset="-127"/>
-              <a:ea typeface="맑은 고딕 Semilight" panose="020B0502040204020203" pitchFamily="50" charset="-127"/>
-              <a:cs typeface="맑은 고딕 Semilight" panose="020B0502040204020203" pitchFamily="50" charset="-127"/>
-            </a:endParaRPr>
-          </a:p>
-          <a:p>
-            <a:pPr marL="285750" indent="-285750">
-              <a:buFont typeface="Arial" panose="020B0604020202020204" pitchFamily="34" charset="0"/>
-              <a:buChar char="•"/>
-            </a:pPr>
-            <a:r>
-              <a:rPr lang="ko-KR" altLang="en-US" dirty="0" smtClean="0">
+              </a:endParaRPr>
+            </a:p>
+            <a:p>
+              <a:pPr marL="285750" indent="-285750">
+                <a:buFont typeface="Arial" panose="020B0604020202020204" pitchFamily="34" charset="0"/>
+                <a:buChar char="•"/>
+              </a:pPr>
+              <a:r>
+                <a:rPr lang="ko-KR" altLang="en-US" dirty="0" smtClean="0">
+                  <a:solidFill>
+                    <a:schemeClr val="bg1"/>
+                  </a:solidFill>
+                  <a:latin typeface="맑은 고딕 Semilight" panose="020B0502040204020203" pitchFamily="50" charset="-127"/>
+                  <a:ea typeface="맑은 고딕 Semilight" panose="020B0502040204020203" pitchFamily="50" charset="-127"/>
+                  <a:cs typeface="맑은 고딕 Semilight" panose="020B0502040204020203" pitchFamily="50" charset="-127"/>
+                </a:rPr>
+                <a:t>현재 습도 단계</a:t>
+              </a:r>
+              <a:endParaRPr lang="en-US" altLang="ko-KR" dirty="0" smtClean="0">
                 <a:solidFill>
                   <a:schemeClr val="bg1"/>
                 </a:solidFill>
                 <a:latin typeface="맑은 고딕 Semilight" panose="020B0502040204020203" pitchFamily="50" charset="-127"/>
                 <a:ea typeface="맑은 고딕 Semilight" panose="020B0502040204020203" pitchFamily="50" charset="-127"/>
                 <a:cs typeface="맑은 고딕 Semilight" panose="020B0502040204020203" pitchFamily="50" charset="-127"/>
-              </a:rPr>
-              <a:t>옷장 뒷면의 </a:t>
-            </a:r>
-            <a:r>
-              <a:rPr lang="ko-KR" altLang="en-US" dirty="0" err="1" smtClean="0">
+              </a:endParaRPr>
+            </a:p>
+            <a:p>
+              <a:r>
+                <a:rPr lang="en-US" altLang="ko-KR" dirty="0" smtClean="0">
+                  <a:solidFill>
+                    <a:schemeClr val="bg1"/>
+                  </a:solidFill>
+                  <a:latin typeface="맑은 고딕 Semilight" panose="020B0502040204020203" pitchFamily="50" charset="-127"/>
+                  <a:ea typeface="맑은 고딕 Semilight" panose="020B0502040204020203" pitchFamily="50" charset="-127"/>
+                  <a:cs typeface="맑은 고딕 Semilight" panose="020B0502040204020203" pitchFamily="50" charset="-127"/>
+                </a:rPr>
+                <a:t>    LED</a:t>
+              </a:r>
+              <a:r>
+                <a:rPr lang="ko-KR" altLang="en-US" dirty="0" smtClean="0">
+                  <a:solidFill>
+                    <a:schemeClr val="bg1"/>
+                  </a:solidFill>
+                  <a:latin typeface="맑은 고딕 Semilight" panose="020B0502040204020203" pitchFamily="50" charset="-127"/>
+                  <a:ea typeface="맑은 고딕 Semilight" panose="020B0502040204020203" pitchFamily="50" charset="-127"/>
+                  <a:cs typeface="맑은 고딕 Semilight" panose="020B0502040204020203" pitchFamily="50" charset="-127"/>
+                </a:rPr>
+                <a:t>를 통하여 표시</a:t>
+              </a:r>
+              <a:endParaRPr lang="en-US" altLang="ko-KR" dirty="0" smtClean="0">
                 <a:solidFill>
                   <a:schemeClr val="bg1"/>
                 </a:solidFill>
                 <a:latin typeface="맑은 고딕 Semilight" panose="020B0502040204020203" pitchFamily="50" charset="-127"/>
                 <a:ea typeface="맑은 고딕 Semilight" panose="020B0502040204020203" pitchFamily="50" charset="-127"/>
                 <a:cs typeface="맑은 고딕 Semilight" panose="020B0502040204020203" pitchFamily="50" charset="-127"/>
-              </a:rPr>
-              <a:t>환기구를</a:t>
-            </a:r>
-            <a:endParaRPr lang="en-US" altLang="ko-KR" dirty="0">
-              <a:solidFill>
-                <a:schemeClr val="bg1"/>
-              </a:solidFill>
-              <a:latin typeface="맑은 고딕 Semilight" panose="020B0502040204020203" pitchFamily="50" charset="-127"/>
-              <a:ea typeface="맑은 고딕 Semilight" panose="020B0502040204020203" pitchFamily="50" charset="-127"/>
-              <a:cs typeface="맑은 고딕 Semilight" panose="020B0502040204020203" pitchFamily="50" charset="-127"/>
-            </a:endParaRPr>
-          </a:p>
-          <a:p>
-            <a:r>
-              <a:rPr lang="en-US" altLang="ko-KR" dirty="0" smtClean="0">
+              </a:endParaRPr>
+            </a:p>
+            <a:p>
+              <a:pPr marL="285750" indent="-285750">
+                <a:buFont typeface="Arial" panose="020B0604020202020204" pitchFamily="34" charset="0"/>
+                <a:buChar char="•"/>
+              </a:pPr>
+              <a:r>
+                <a:rPr lang="ko-KR" altLang="en-US" dirty="0" smtClean="0">
+                  <a:solidFill>
+                    <a:schemeClr val="bg1"/>
+                  </a:solidFill>
+                  <a:latin typeface="맑은 고딕 Semilight" panose="020B0502040204020203" pitchFamily="50" charset="-127"/>
+                  <a:ea typeface="맑은 고딕 Semilight" panose="020B0502040204020203" pitchFamily="50" charset="-127"/>
+                  <a:cs typeface="맑은 고딕 Semilight" panose="020B0502040204020203" pitchFamily="50" charset="-127"/>
+                </a:rPr>
+                <a:t>현재 온도 </a:t>
+              </a:r>
+              <a:endParaRPr lang="en-US" altLang="ko-KR" dirty="0" smtClean="0">
                 <a:solidFill>
                   <a:schemeClr val="bg1"/>
                 </a:solidFill>
                 <a:latin typeface="맑은 고딕 Semilight" panose="020B0502040204020203" pitchFamily="50" charset="-127"/>
                 <a:ea typeface="맑은 고딕 Semilight" panose="020B0502040204020203" pitchFamily="50" charset="-127"/>
                 <a:cs typeface="맑은 고딕 Semilight" panose="020B0502040204020203" pitchFamily="50" charset="-127"/>
-              </a:rPr>
-              <a:t>     </a:t>
-            </a:r>
-            <a:r>
-              <a:rPr lang="ko-KR" altLang="en-US" dirty="0" smtClean="0">
+              </a:endParaRPr>
+            </a:p>
+            <a:p>
+              <a:r>
+                <a:rPr lang="en-US" altLang="ko-KR" dirty="0">
+                  <a:solidFill>
+                    <a:schemeClr val="bg1"/>
+                  </a:solidFill>
+                  <a:latin typeface="맑은 고딕 Semilight" panose="020B0502040204020203" pitchFamily="50" charset="-127"/>
+                  <a:ea typeface="맑은 고딕 Semilight" panose="020B0502040204020203" pitchFamily="50" charset="-127"/>
+                  <a:cs typeface="맑은 고딕 Semilight" panose="020B0502040204020203" pitchFamily="50" charset="-127"/>
+                </a:rPr>
+                <a:t> </a:t>
+              </a:r>
+              <a:r>
+                <a:rPr lang="en-US" altLang="ko-KR" dirty="0" smtClean="0">
+                  <a:solidFill>
+                    <a:schemeClr val="bg1"/>
+                  </a:solidFill>
+                  <a:latin typeface="맑은 고딕 Semilight" panose="020B0502040204020203" pitchFamily="50" charset="-127"/>
+                  <a:ea typeface="맑은 고딕 Semilight" panose="020B0502040204020203" pitchFamily="50" charset="-127"/>
+                  <a:cs typeface="맑은 고딕 Semilight" panose="020B0502040204020203" pitchFamily="50" charset="-127"/>
+                </a:rPr>
+                <a:t>    FND</a:t>
+              </a:r>
+              <a:r>
+                <a:rPr lang="ko-KR" altLang="en-US" dirty="0" smtClean="0">
+                  <a:solidFill>
+                    <a:schemeClr val="bg1"/>
+                  </a:solidFill>
+                  <a:latin typeface="맑은 고딕 Semilight" panose="020B0502040204020203" pitchFamily="50" charset="-127"/>
+                  <a:ea typeface="맑은 고딕 Semilight" panose="020B0502040204020203" pitchFamily="50" charset="-127"/>
+                  <a:cs typeface="맑은 고딕 Semilight" panose="020B0502040204020203" pitchFamily="50" charset="-127"/>
+                </a:rPr>
+                <a:t>를 통하여 표시</a:t>
+              </a:r>
+              <a:endParaRPr lang="en-US" altLang="ko-KR" dirty="0" smtClean="0">
                 <a:solidFill>
                   <a:schemeClr val="bg1"/>
                 </a:solidFill>
                 <a:latin typeface="맑은 고딕 Semilight" panose="020B0502040204020203" pitchFamily="50" charset="-127"/>
                 <a:ea typeface="맑은 고딕 Semilight" panose="020B0502040204020203" pitchFamily="50" charset="-127"/>
                 <a:cs typeface="맑은 고딕 Semilight" panose="020B0502040204020203" pitchFamily="50" charset="-127"/>
-              </a:rPr>
-              <a:t>통하여 환기</a:t>
-            </a:r>
-            <a:endParaRPr lang="en-US" altLang="ko-KR" dirty="0">
+              </a:endParaRPr>
+            </a:p>
+          </p:txBody>
+        </p:sp>
+        <p:cxnSp>
+          <p:nvCxnSpPr>
+            <p:cNvPr id="16" name="직선 화살표 연결선 15"/>
+            <p:cNvCxnSpPr/>
+            <p:nvPr/>
+          </p:nvCxnSpPr>
+          <p:spPr>
+            <a:xfrm rot="10800000" flipH="1">
+              <a:off x="3007360" y="3112895"/>
+              <a:ext cx="2042178" cy="1181265"/>
+            </a:xfrm>
+            <a:prstGeom prst="straightConnector1">
+              <a:avLst/>
+            </a:prstGeom>
+            <a:ln w="38100" cap="flat" cmpd="sng" algn="ctr">
               <a:solidFill>
-                <a:schemeClr val="bg1"/>
+                <a:schemeClr val="bg1">
+                  <a:lumMod val="95000"/>
+                </a:schemeClr>
               </a:solidFill>
-              <a:latin typeface="맑은 고딕 Semilight" panose="020B0502040204020203" pitchFamily="50" charset="-127"/>
-              <a:ea typeface="맑은 고딕 Semilight" panose="020B0502040204020203" pitchFamily="50" charset="-127"/>
-              <a:cs typeface="맑은 고딕 Semilight" panose="020B0502040204020203" pitchFamily="50" charset="-127"/>
-            </a:endParaRPr>
-          </a:p>
-        </p:txBody>
-      </p:sp>
-      <p:sp>
-        <p:nvSpPr>
-          <p:cNvPr id="14" name="TextBox 13"/>
-          <p:cNvSpPr txBox="1"/>
-          <p:nvPr/>
-        </p:nvSpPr>
-        <p:spPr>
-          <a:xfrm>
-            <a:off x="1277721" y="4076646"/>
-            <a:ext cx="2475358" cy="1477328"/>
-          </a:xfrm>
-          <a:prstGeom prst="rect">
-            <a:avLst/>
-          </a:prstGeom>
-          <a:noFill/>
-        </p:spPr>
-        <p:txBody>
-          <a:bodyPr wrap="none" rtlCol="0">
-            <a:spAutoFit/>
-          </a:bodyPr>
-          <a:lstStyle/>
-          <a:p>
-            <a:r>
-              <a:rPr lang="ko-KR" altLang="en-US" dirty="0" smtClean="0">
-                <a:solidFill>
-                  <a:schemeClr val="bg1"/>
-                </a:solidFill>
-                <a:latin typeface="맑은 고딕 Semilight" panose="020B0502040204020203" pitchFamily="50" charset="-127"/>
-                <a:ea typeface="맑은 고딕 Semilight" panose="020B0502040204020203" pitchFamily="50" charset="-127"/>
-                <a:cs typeface="맑은 고딕 Semilight" panose="020B0502040204020203" pitchFamily="50" charset="-127"/>
-              </a:rPr>
-              <a:t>옷장 내부의</a:t>
-            </a:r>
-            <a:endParaRPr lang="en-US" altLang="ko-KR" dirty="0" smtClean="0">
+              <a:prstDash val="solid"/>
+              <a:round/>
+              <a:headEnd type="none" w="med" len="med"/>
+              <a:tailEnd type="arrow" w="med" len="med"/>
+            </a:ln>
+          </p:spPr>
+          <p:style>
+            <a:lnRef idx="0">
+              <a:scrgbClr r="0" g="0" b="0"/>
+            </a:lnRef>
+            <a:fillRef idx="0">
+              <a:scrgbClr r="0" g="0" b="0"/>
+            </a:fillRef>
+            <a:effectRef idx="0">
+              <a:scrgbClr r="0" g="0" b="0"/>
+            </a:effectRef>
+            <a:fontRef idx="minor">
+              <a:schemeClr val="tx1"/>
+            </a:fontRef>
+          </p:style>
+        </p:cxnSp>
+        <p:cxnSp>
+          <p:nvCxnSpPr>
+            <p:cNvPr id="17" name="직선 화살표 연결선 16"/>
+            <p:cNvCxnSpPr/>
+            <p:nvPr/>
+          </p:nvCxnSpPr>
+          <p:spPr>
+            <a:xfrm flipH="1">
+              <a:off x="8536419" y="3189603"/>
+              <a:ext cx="1694701" cy="1372238"/>
+            </a:xfrm>
+            <a:prstGeom prst="straightConnector1">
+              <a:avLst/>
+            </a:prstGeom>
+            <a:ln w="38100" cap="flat" cmpd="sng" algn="ctr">
               <a:solidFill>
-                <a:schemeClr val="bg1"/>
+                <a:schemeClr val="bg1">
+                  <a:lumMod val="95000"/>
+                </a:schemeClr>
               </a:solidFill>
-              <a:latin typeface="맑은 고딕 Semilight" panose="020B0502040204020203" pitchFamily="50" charset="-127"/>
-              <a:ea typeface="맑은 고딕 Semilight" panose="020B0502040204020203" pitchFamily="50" charset="-127"/>
-              <a:cs typeface="맑은 고딕 Semilight" panose="020B0502040204020203" pitchFamily="50" charset="-127"/>
-            </a:endParaRPr>
-          </a:p>
-          <a:p>
-            <a:pPr marL="285750" indent="-285750">
-              <a:buFont typeface="Arial" panose="020B0604020202020204" pitchFamily="34" charset="0"/>
-              <a:buChar char="•"/>
-            </a:pPr>
-            <a:r>
-              <a:rPr lang="ko-KR" altLang="en-US" dirty="0" smtClean="0">
-                <a:solidFill>
-                  <a:schemeClr val="bg1"/>
-                </a:solidFill>
-                <a:latin typeface="맑은 고딕 Semilight" panose="020B0502040204020203" pitchFamily="50" charset="-127"/>
-                <a:ea typeface="맑은 고딕 Semilight" panose="020B0502040204020203" pitchFamily="50" charset="-127"/>
-                <a:cs typeface="맑은 고딕 Semilight" panose="020B0502040204020203" pitchFamily="50" charset="-127"/>
-              </a:rPr>
-              <a:t>현재 습도 단계</a:t>
-            </a:r>
-            <a:endParaRPr lang="en-US" altLang="ko-KR" dirty="0" smtClean="0">
-              <a:solidFill>
-                <a:schemeClr val="bg1"/>
-              </a:solidFill>
-              <a:latin typeface="맑은 고딕 Semilight" panose="020B0502040204020203" pitchFamily="50" charset="-127"/>
-              <a:ea typeface="맑은 고딕 Semilight" panose="020B0502040204020203" pitchFamily="50" charset="-127"/>
-              <a:cs typeface="맑은 고딕 Semilight" panose="020B0502040204020203" pitchFamily="50" charset="-127"/>
-            </a:endParaRPr>
-          </a:p>
-          <a:p>
-            <a:r>
-              <a:rPr lang="en-US" altLang="ko-KR" dirty="0" smtClean="0">
-                <a:solidFill>
-                  <a:schemeClr val="bg1"/>
-                </a:solidFill>
-                <a:latin typeface="맑은 고딕 Semilight" panose="020B0502040204020203" pitchFamily="50" charset="-127"/>
-                <a:ea typeface="맑은 고딕 Semilight" panose="020B0502040204020203" pitchFamily="50" charset="-127"/>
-                <a:cs typeface="맑은 고딕 Semilight" panose="020B0502040204020203" pitchFamily="50" charset="-127"/>
-              </a:rPr>
-              <a:t>    LED</a:t>
-            </a:r>
-            <a:r>
-              <a:rPr lang="ko-KR" altLang="en-US" dirty="0" smtClean="0">
-                <a:solidFill>
-                  <a:schemeClr val="bg1"/>
-                </a:solidFill>
-                <a:latin typeface="맑은 고딕 Semilight" panose="020B0502040204020203" pitchFamily="50" charset="-127"/>
-                <a:ea typeface="맑은 고딕 Semilight" panose="020B0502040204020203" pitchFamily="50" charset="-127"/>
-                <a:cs typeface="맑은 고딕 Semilight" panose="020B0502040204020203" pitchFamily="50" charset="-127"/>
-              </a:rPr>
-              <a:t>를 통하여 표시</a:t>
-            </a:r>
-            <a:endParaRPr lang="en-US" altLang="ko-KR" dirty="0" smtClean="0">
-              <a:solidFill>
-                <a:schemeClr val="bg1"/>
-              </a:solidFill>
-              <a:latin typeface="맑은 고딕 Semilight" panose="020B0502040204020203" pitchFamily="50" charset="-127"/>
-              <a:ea typeface="맑은 고딕 Semilight" panose="020B0502040204020203" pitchFamily="50" charset="-127"/>
-              <a:cs typeface="맑은 고딕 Semilight" panose="020B0502040204020203" pitchFamily="50" charset="-127"/>
-            </a:endParaRPr>
-          </a:p>
-          <a:p>
-            <a:pPr marL="285750" indent="-285750">
-              <a:buFont typeface="Arial" panose="020B0604020202020204" pitchFamily="34" charset="0"/>
-              <a:buChar char="•"/>
-            </a:pPr>
-            <a:r>
-              <a:rPr lang="ko-KR" altLang="en-US" dirty="0" smtClean="0">
-                <a:solidFill>
-                  <a:schemeClr val="bg1"/>
-                </a:solidFill>
-                <a:latin typeface="맑은 고딕 Semilight" panose="020B0502040204020203" pitchFamily="50" charset="-127"/>
-                <a:ea typeface="맑은 고딕 Semilight" panose="020B0502040204020203" pitchFamily="50" charset="-127"/>
-                <a:cs typeface="맑은 고딕 Semilight" panose="020B0502040204020203" pitchFamily="50" charset="-127"/>
-              </a:rPr>
-              <a:t>현재 온도 </a:t>
-            </a:r>
-            <a:endParaRPr lang="en-US" altLang="ko-KR" dirty="0" smtClean="0">
-              <a:solidFill>
-                <a:schemeClr val="bg1"/>
-              </a:solidFill>
-              <a:latin typeface="맑은 고딕 Semilight" panose="020B0502040204020203" pitchFamily="50" charset="-127"/>
-              <a:ea typeface="맑은 고딕 Semilight" panose="020B0502040204020203" pitchFamily="50" charset="-127"/>
-              <a:cs typeface="맑은 고딕 Semilight" panose="020B0502040204020203" pitchFamily="50" charset="-127"/>
-            </a:endParaRPr>
-          </a:p>
-          <a:p>
-            <a:r>
-              <a:rPr lang="en-US" altLang="ko-KR" dirty="0">
-                <a:solidFill>
-                  <a:schemeClr val="bg1"/>
-                </a:solidFill>
-                <a:latin typeface="맑은 고딕 Semilight" panose="020B0502040204020203" pitchFamily="50" charset="-127"/>
-                <a:ea typeface="맑은 고딕 Semilight" panose="020B0502040204020203" pitchFamily="50" charset="-127"/>
-                <a:cs typeface="맑은 고딕 Semilight" panose="020B0502040204020203" pitchFamily="50" charset="-127"/>
-              </a:rPr>
-              <a:t> </a:t>
-            </a:r>
-            <a:r>
-              <a:rPr lang="en-US" altLang="ko-KR" dirty="0" smtClean="0">
-                <a:solidFill>
-                  <a:schemeClr val="bg1"/>
-                </a:solidFill>
-                <a:latin typeface="맑은 고딕 Semilight" panose="020B0502040204020203" pitchFamily="50" charset="-127"/>
-                <a:ea typeface="맑은 고딕 Semilight" panose="020B0502040204020203" pitchFamily="50" charset="-127"/>
-                <a:cs typeface="맑은 고딕 Semilight" panose="020B0502040204020203" pitchFamily="50" charset="-127"/>
-              </a:rPr>
-              <a:t>    FND</a:t>
-            </a:r>
-            <a:r>
-              <a:rPr lang="ko-KR" altLang="en-US" dirty="0" smtClean="0">
-                <a:solidFill>
-                  <a:schemeClr val="bg1"/>
-                </a:solidFill>
-                <a:latin typeface="맑은 고딕 Semilight" panose="020B0502040204020203" pitchFamily="50" charset="-127"/>
-                <a:ea typeface="맑은 고딕 Semilight" panose="020B0502040204020203" pitchFamily="50" charset="-127"/>
-                <a:cs typeface="맑은 고딕 Semilight" panose="020B0502040204020203" pitchFamily="50" charset="-127"/>
-              </a:rPr>
-              <a:t>를 통하여 표시</a:t>
-            </a:r>
-            <a:endParaRPr lang="en-US" altLang="ko-KR" dirty="0" smtClean="0">
-              <a:solidFill>
-                <a:schemeClr val="bg1"/>
-              </a:solidFill>
-              <a:latin typeface="맑은 고딕 Semilight" panose="020B0502040204020203" pitchFamily="50" charset="-127"/>
-              <a:ea typeface="맑은 고딕 Semilight" panose="020B0502040204020203" pitchFamily="50" charset="-127"/>
-              <a:cs typeface="맑은 고딕 Semilight" panose="020B0502040204020203" pitchFamily="50" charset="-127"/>
-            </a:endParaRPr>
-          </a:p>
-        </p:txBody>
-      </p:sp>
-      <p:cxnSp>
-        <p:nvCxnSpPr>
-          <p:cNvPr id="16" name="직선 화살표 연결선 15"/>
-          <p:cNvCxnSpPr/>
-          <p:nvPr/>
-        </p:nvCxnSpPr>
-        <p:spPr>
-          <a:xfrm rot="10800000" flipH="1">
-            <a:off x="3007360" y="3112895"/>
-            <a:ext cx="2042178" cy="1181265"/>
-          </a:xfrm>
-          <a:prstGeom prst="straightConnector1">
-            <a:avLst/>
-          </a:prstGeom>
-          <a:ln w="38100" cap="flat" cmpd="sng" algn="ctr">
-            <a:solidFill>
-              <a:schemeClr val="bg1">
-                <a:lumMod val="95000"/>
-              </a:schemeClr>
-            </a:solidFill>
-            <a:prstDash val="solid"/>
-            <a:round/>
-            <a:headEnd type="none" w="med" len="med"/>
-            <a:tailEnd type="arrow" w="med" len="med"/>
-          </a:ln>
-        </p:spPr>
-        <p:style>
-          <a:lnRef idx="0">
-            <a:scrgbClr r="0" g="0" b="0"/>
-          </a:lnRef>
-          <a:fillRef idx="0">
-            <a:scrgbClr r="0" g="0" b="0"/>
-          </a:fillRef>
-          <a:effectRef idx="0">
-            <a:scrgbClr r="0" g="0" b="0"/>
-          </a:effectRef>
-          <a:fontRef idx="minor">
-            <a:schemeClr val="tx1"/>
-          </a:fontRef>
-        </p:style>
-      </p:cxnSp>
-      <p:cxnSp>
-        <p:nvCxnSpPr>
-          <p:cNvPr id="17" name="직선 화살표 연결선 16"/>
-          <p:cNvCxnSpPr/>
-          <p:nvPr/>
-        </p:nvCxnSpPr>
-        <p:spPr>
-          <a:xfrm flipH="1">
-            <a:off x="8536419" y="3189603"/>
-            <a:ext cx="1694701" cy="1372238"/>
-          </a:xfrm>
-          <a:prstGeom prst="straightConnector1">
-            <a:avLst/>
-          </a:prstGeom>
-          <a:ln w="38100" cap="flat" cmpd="sng" algn="ctr">
-            <a:solidFill>
-              <a:schemeClr val="bg1">
-                <a:lumMod val="95000"/>
-              </a:schemeClr>
-            </a:solidFill>
-            <a:prstDash val="solid"/>
-            <a:round/>
-            <a:headEnd type="none" w="med" len="med"/>
-            <a:tailEnd type="arrow" w="med" len="med"/>
-          </a:ln>
-        </p:spPr>
-        <p:style>
-          <a:lnRef idx="0">
-            <a:scrgbClr r="0" g="0" b="0"/>
-          </a:lnRef>
-          <a:fillRef idx="0">
-            <a:scrgbClr r="0" g="0" b="0"/>
-          </a:fillRef>
-          <a:effectRef idx="0">
-            <a:scrgbClr r="0" g="0" b="0"/>
-          </a:effectRef>
-          <a:fontRef idx="minor">
-            <a:schemeClr val="tx1"/>
-          </a:fontRef>
-        </p:style>
-      </p:cxnSp>
+              <a:prstDash val="solid"/>
+              <a:round/>
+              <a:headEnd type="none" w="med" len="med"/>
+              <a:tailEnd type="arrow" w="med" len="med"/>
+            </a:ln>
+          </p:spPr>
+          <p:style>
+            <a:lnRef idx="0">
+              <a:scrgbClr r="0" g="0" b="0"/>
+            </a:lnRef>
+            <a:fillRef idx="0">
+              <a:scrgbClr r="0" g="0" b="0"/>
+            </a:fillRef>
+            <a:effectRef idx="0">
+              <a:scrgbClr r="0" g="0" b="0"/>
+            </a:effectRef>
+            <a:fontRef idx="minor">
+              <a:schemeClr val="tx1"/>
+            </a:fontRef>
+          </p:style>
+        </p:cxnSp>
+      </p:grpSp>
     </p:spTree>
     <p:extLst>
       <p:ext uri="{BB962C8B-B14F-4D97-AF65-F5344CB8AC3E}">
@@ -6836,461 +7279,6 @@
         <p:spPr>
           <a:xfrm>
             <a:off x="1131046" y="333376"/>
-            <a:ext cx="1620957" cy="523220"/>
-          </a:xfrm>
-          <a:prstGeom prst="rect">
-            <a:avLst/>
-          </a:prstGeom>
-          <a:noFill/>
-        </p:spPr>
-        <p:txBody>
-          <a:bodyPr wrap="none" rtlCol="0">
-            <a:spAutoFit/>
-          </a:bodyPr>
-          <a:lstStyle/>
-          <a:p>
-            <a:r>
-              <a:rPr lang="ko-KR" altLang="en-US" sz="2800" dirty="0" err="1" smtClean="0">
-                <a:latin typeface="Agency FB" panose="020B0503020202020204" pitchFamily="34" charset="0"/>
-                <a:ea typeface="맑은 고딕 Semilight" panose="020B0502040204020203" pitchFamily="50" charset="-127"/>
-              </a:rPr>
-              <a:t>필요부품</a:t>
-            </a:r>
-            <a:endParaRPr lang="ko-KR" altLang="en-US" sz="2800" dirty="0">
-              <a:latin typeface="Agency FB" panose="020B0503020202020204" pitchFamily="34" charset="0"/>
-              <a:ea typeface="맑은 고딕 Semilight" panose="020B0502040204020203" pitchFamily="50" charset="-127"/>
-            </a:endParaRPr>
-          </a:p>
-        </p:txBody>
-      </p:sp>
-      <p:sp>
-        <p:nvSpPr>
-          <p:cNvPr id="11" name="타원 10"/>
-          <p:cNvSpPr/>
-          <p:nvPr/>
-        </p:nvSpPr>
-        <p:spPr>
-          <a:xfrm>
-            <a:off x="2734588" y="3624217"/>
-            <a:ext cx="1758766" cy="1758766"/>
-          </a:xfrm>
-          <a:prstGeom prst="ellipse">
-            <a:avLst/>
-          </a:prstGeom>
-          <a:solidFill>
-            <a:schemeClr val="accent4"/>
-          </a:solidFill>
-          <a:ln>
-            <a:noFill/>
-          </a:ln>
-        </p:spPr>
-        <p:style>
-          <a:lnRef idx="2">
-            <a:schemeClr val="accent1">
-              <a:shade val="50000"/>
-            </a:schemeClr>
-          </a:lnRef>
-          <a:fillRef idx="1">
-            <a:schemeClr val="accent1"/>
-          </a:fillRef>
-          <a:effectRef idx="0">
-            <a:schemeClr val="accent1"/>
-          </a:effectRef>
-          <a:fontRef idx="minor">
-            <a:schemeClr val="lt1"/>
-          </a:fontRef>
-        </p:style>
-        <p:txBody>
-          <a:bodyPr rtlCol="0" anchor="ctr"/>
-          <a:lstStyle/>
-          <a:p>
-            <a:pPr algn="ctr"/>
-            <a:endParaRPr lang="ko-KR" altLang="en-US" dirty="0">
-              <a:latin typeface="Agency FB" panose="020B0503020202020204" pitchFamily="34" charset="0"/>
-              <a:ea typeface="맑은 고딕 Semilight" panose="020B0502040204020203" pitchFamily="50" charset="-127"/>
-            </a:endParaRPr>
-          </a:p>
-        </p:txBody>
-      </p:sp>
-      <p:sp>
-        <p:nvSpPr>
-          <p:cNvPr id="12" name="TextBox 11"/>
-          <p:cNvSpPr txBox="1"/>
-          <p:nvPr/>
-        </p:nvSpPr>
-        <p:spPr>
-          <a:xfrm>
-            <a:off x="2981057" y="4255103"/>
-            <a:ext cx="1311578" cy="523220"/>
-          </a:xfrm>
-          <a:prstGeom prst="rect">
-            <a:avLst/>
-          </a:prstGeom>
-          <a:noFill/>
-        </p:spPr>
-        <p:txBody>
-          <a:bodyPr wrap="none" rtlCol="0">
-            <a:spAutoFit/>
-          </a:bodyPr>
-          <a:lstStyle/>
-          <a:p>
-            <a:pPr algn="ctr"/>
-            <a:r>
-              <a:rPr lang="en-US" altLang="ko-KR" sz="2800" b="1" dirty="0" smtClean="0">
-                <a:solidFill>
-                  <a:schemeClr val="bg1"/>
-                </a:solidFill>
-                <a:latin typeface="Agency FB" panose="020B0503020202020204" pitchFamily="34" charset="0"/>
-                <a:ea typeface="맑은 고딕 Semilight" panose="020B0502040204020203" pitchFamily="50" charset="-127"/>
-              </a:rPr>
-              <a:t>DC </a:t>
-            </a:r>
-            <a:r>
-              <a:rPr lang="ko-KR" altLang="en-US" sz="2800" b="1" dirty="0" smtClean="0">
-                <a:solidFill>
-                  <a:schemeClr val="bg1"/>
-                </a:solidFill>
-                <a:latin typeface="Agency FB" panose="020B0503020202020204" pitchFamily="34" charset="0"/>
-                <a:ea typeface="맑은 고딕 Semilight" panose="020B0502040204020203" pitchFamily="50" charset="-127"/>
-              </a:rPr>
-              <a:t>모터</a:t>
-            </a:r>
-            <a:endParaRPr lang="ko-KR" altLang="en-US" sz="2800" b="1" dirty="0">
-              <a:solidFill>
-                <a:schemeClr val="bg1"/>
-              </a:solidFill>
-              <a:latin typeface="Agency FB" panose="020B0503020202020204" pitchFamily="34" charset="0"/>
-              <a:ea typeface="맑은 고딕 Semilight" panose="020B0502040204020203" pitchFamily="50" charset="-127"/>
-            </a:endParaRPr>
-          </a:p>
-        </p:txBody>
-      </p:sp>
-      <p:sp>
-        <p:nvSpPr>
-          <p:cNvPr id="19" name="타원 18"/>
-          <p:cNvSpPr/>
-          <p:nvPr/>
-        </p:nvSpPr>
-        <p:spPr>
-          <a:xfrm>
-            <a:off x="4772458" y="1568369"/>
-            <a:ext cx="2504608" cy="2504608"/>
-          </a:xfrm>
-          <a:prstGeom prst="ellipse">
-            <a:avLst/>
-          </a:prstGeom>
-          <a:solidFill>
-            <a:schemeClr val="accent4"/>
-          </a:solidFill>
-          <a:ln>
-            <a:noFill/>
-          </a:ln>
-        </p:spPr>
-        <p:style>
-          <a:lnRef idx="2">
-            <a:schemeClr val="accent1">
-              <a:shade val="50000"/>
-            </a:schemeClr>
-          </a:lnRef>
-          <a:fillRef idx="1">
-            <a:schemeClr val="accent1"/>
-          </a:fillRef>
-          <a:effectRef idx="0">
-            <a:schemeClr val="accent1"/>
-          </a:effectRef>
-          <a:fontRef idx="minor">
-            <a:schemeClr val="lt1"/>
-          </a:fontRef>
-        </p:style>
-        <p:txBody>
-          <a:bodyPr rtlCol="0" anchor="ctr"/>
-          <a:lstStyle/>
-          <a:p>
-            <a:pPr algn="ctr"/>
-            <a:endParaRPr lang="ko-KR" altLang="en-US" dirty="0">
-              <a:latin typeface="Agency FB" panose="020B0503020202020204" pitchFamily="34" charset="0"/>
-              <a:ea typeface="맑은 고딕 Semilight" panose="020B0502040204020203" pitchFamily="50" charset="-127"/>
-            </a:endParaRPr>
-          </a:p>
-        </p:txBody>
-      </p:sp>
-      <p:sp>
-        <p:nvSpPr>
-          <p:cNvPr id="20" name="TextBox 19"/>
-          <p:cNvSpPr txBox="1"/>
-          <p:nvPr/>
-        </p:nvSpPr>
-        <p:spPr>
-          <a:xfrm>
-            <a:off x="4791090" y="2559063"/>
-            <a:ext cx="2467342" cy="461665"/>
-          </a:xfrm>
-          <a:prstGeom prst="rect">
-            <a:avLst/>
-          </a:prstGeom>
-          <a:noFill/>
-        </p:spPr>
-        <p:txBody>
-          <a:bodyPr wrap="none" rtlCol="0">
-            <a:spAutoFit/>
-          </a:bodyPr>
-          <a:lstStyle/>
-          <a:p>
-            <a:pPr algn="ctr"/>
-            <a:r>
-              <a:rPr lang="ko-KR" altLang="en-US" sz="2400" b="1" dirty="0" err="1" smtClean="0">
-                <a:solidFill>
-                  <a:schemeClr val="bg1"/>
-                </a:solidFill>
-                <a:latin typeface="Agency FB" panose="020B0503020202020204" pitchFamily="34" charset="0"/>
-                <a:ea typeface="맑은 고딕 Semilight" panose="020B0502040204020203" pitchFamily="50" charset="-127"/>
-              </a:rPr>
-              <a:t>온습도</a:t>
-            </a:r>
-            <a:r>
-              <a:rPr lang="ko-KR" altLang="en-US" sz="2400" b="1" dirty="0" smtClean="0">
-                <a:solidFill>
-                  <a:schemeClr val="bg1"/>
-                </a:solidFill>
-                <a:latin typeface="Agency FB" panose="020B0503020202020204" pitchFamily="34" charset="0"/>
-                <a:ea typeface="맑은 고딕 Semilight" panose="020B0502040204020203" pitchFamily="50" charset="-127"/>
-              </a:rPr>
-              <a:t> 센서 모듈</a:t>
-            </a:r>
-            <a:endParaRPr lang="ko-KR" altLang="en-US" sz="2400" b="1" dirty="0">
-              <a:solidFill>
-                <a:schemeClr val="bg1"/>
-              </a:solidFill>
-              <a:latin typeface="Agency FB" panose="020B0503020202020204" pitchFamily="34" charset="0"/>
-              <a:ea typeface="맑은 고딕 Semilight" panose="020B0502040204020203" pitchFamily="50" charset="-127"/>
-            </a:endParaRPr>
-          </a:p>
-        </p:txBody>
-      </p:sp>
-      <p:sp>
-        <p:nvSpPr>
-          <p:cNvPr id="23" name="타원 22"/>
-          <p:cNvSpPr/>
-          <p:nvPr/>
-        </p:nvSpPr>
-        <p:spPr>
-          <a:xfrm>
-            <a:off x="7428123" y="3624217"/>
-            <a:ext cx="1758766" cy="1758766"/>
-          </a:xfrm>
-          <a:prstGeom prst="ellipse">
-            <a:avLst/>
-          </a:prstGeom>
-          <a:solidFill>
-            <a:schemeClr val="accent4"/>
-          </a:solidFill>
-          <a:ln>
-            <a:noFill/>
-          </a:ln>
-        </p:spPr>
-        <p:style>
-          <a:lnRef idx="2">
-            <a:schemeClr val="accent1">
-              <a:shade val="50000"/>
-            </a:schemeClr>
-          </a:lnRef>
-          <a:fillRef idx="1">
-            <a:schemeClr val="accent1"/>
-          </a:fillRef>
-          <a:effectRef idx="0">
-            <a:schemeClr val="accent1"/>
-          </a:effectRef>
-          <a:fontRef idx="minor">
-            <a:schemeClr val="lt1"/>
-          </a:fontRef>
-        </p:style>
-        <p:txBody>
-          <a:bodyPr rtlCol="0" anchor="ctr"/>
-          <a:lstStyle/>
-          <a:p>
-            <a:pPr algn="ctr"/>
-            <a:endParaRPr lang="ko-KR" altLang="en-US" dirty="0">
-              <a:latin typeface="Agency FB" panose="020B0503020202020204" pitchFamily="34" charset="0"/>
-              <a:ea typeface="맑은 고딕 Semilight" panose="020B0502040204020203" pitchFamily="50" charset="-127"/>
-            </a:endParaRPr>
-          </a:p>
-        </p:txBody>
-      </p:sp>
-      <p:sp>
-        <p:nvSpPr>
-          <p:cNvPr id="24" name="TextBox 23"/>
-          <p:cNvSpPr txBox="1"/>
-          <p:nvPr/>
-        </p:nvSpPr>
-        <p:spPr>
-          <a:xfrm>
-            <a:off x="7971866" y="4255103"/>
-            <a:ext cx="659155" cy="523220"/>
-          </a:xfrm>
-          <a:prstGeom prst="rect">
-            <a:avLst/>
-          </a:prstGeom>
-          <a:noFill/>
-        </p:spPr>
-        <p:txBody>
-          <a:bodyPr wrap="none" rtlCol="0">
-            <a:spAutoFit/>
-          </a:bodyPr>
-          <a:lstStyle/>
-          <a:p>
-            <a:pPr algn="ctr"/>
-            <a:r>
-              <a:rPr lang="en-US" altLang="ko-KR" sz="2800" b="1" dirty="0" smtClean="0">
-                <a:solidFill>
-                  <a:schemeClr val="bg1"/>
-                </a:solidFill>
-                <a:latin typeface="Agency FB" panose="020B0503020202020204" pitchFamily="34" charset="0"/>
-                <a:ea typeface="맑은 고딕 Semilight" panose="020B0502040204020203" pitchFamily="50" charset="-127"/>
-              </a:rPr>
-              <a:t>FND</a:t>
-            </a:r>
-            <a:endParaRPr lang="ko-KR" altLang="en-US" sz="2800" b="1" dirty="0">
-              <a:solidFill>
-                <a:schemeClr val="bg1"/>
-              </a:solidFill>
-              <a:latin typeface="Agency FB" panose="020B0503020202020204" pitchFamily="34" charset="0"/>
-              <a:ea typeface="맑은 고딕 Semilight" panose="020B0502040204020203" pitchFamily="50" charset="-127"/>
-            </a:endParaRPr>
-          </a:p>
-        </p:txBody>
-      </p:sp>
-    </p:spTree>
-    <p:extLst>
-      <p:ext uri="{BB962C8B-B14F-4D97-AF65-F5344CB8AC3E}">
-        <p14:creationId xmlns:p14="http://schemas.microsoft.com/office/powerpoint/2010/main" val="3283691684"/>
-      </p:ext>
-    </p:extLst>
-  </p:cSld>
-  <p:clrMapOvr>
-    <a:masterClrMapping/>
-  </p:clrMapOvr>
-  <p:timing>
-    <p:tnLst>
-      <p:par>
-        <p:cTn id="1" dur="indefinite" restart="never" nodeType="tmRoot"/>
-      </p:par>
-    </p:tnLst>
-  </p:timing>
-</p:sld>
-</file>
-
-<file path=ppt/slides/slide6.xml><?xml version="1.0" encoding="utf-8"?>
-<p:sld xmlns:a="http://schemas.openxmlformats.org/drawingml/2006/main" xmlns:r="http://schemas.openxmlformats.org/officeDocument/2006/relationships" xmlns:p="http://schemas.openxmlformats.org/presentationml/2006/main">
-  <p:cSld>
-    <p:spTree>
-      <p:nvGrpSpPr>
-        <p:cNvPr id="1" name=""/>
-        <p:cNvGrpSpPr/>
-        <p:nvPr/>
-      </p:nvGrpSpPr>
-      <p:grpSpPr>
-        <a:xfrm>
-          <a:off x="0" y="0"/>
-          <a:ext cx="0" cy="0"/>
-          <a:chOff x="0" y="0"/>
-          <a:chExt cx="0" cy="0"/>
-        </a:xfrm>
-      </p:grpSpPr>
-      <p:sp>
-        <p:nvSpPr>
-          <p:cNvPr id="4" name="타원 3"/>
-          <p:cNvSpPr/>
-          <p:nvPr/>
-        </p:nvSpPr>
-        <p:spPr>
-          <a:xfrm>
-            <a:off x="352426" y="352426"/>
-            <a:ext cx="666750" cy="666750"/>
-          </a:xfrm>
-          <a:prstGeom prst="ellipse">
-            <a:avLst/>
-          </a:prstGeom>
-          <a:solidFill>
-            <a:schemeClr val="accent5"/>
-          </a:solidFill>
-          <a:ln>
-            <a:noFill/>
-          </a:ln>
-        </p:spPr>
-        <p:style>
-          <a:lnRef idx="2">
-            <a:schemeClr val="accent1">
-              <a:shade val="50000"/>
-            </a:schemeClr>
-          </a:lnRef>
-          <a:fillRef idx="1">
-            <a:schemeClr val="accent1"/>
-          </a:fillRef>
-          <a:effectRef idx="0">
-            <a:schemeClr val="accent1"/>
-          </a:effectRef>
-          <a:fontRef idx="minor">
-            <a:schemeClr val="lt1"/>
-          </a:fontRef>
-        </p:style>
-        <p:txBody>
-          <a:bodyPr rtlCol="0" anchor="ctr"/>
-          <a:lstStyle/>
-          <a:p>
-            <a:pPr algn="ctr"/>
-            <a:endParaRPr lang="ko-KR" altLang="en-US" dirty="0">
-              <a:latin typeface="Agency FB" panose="020B0503020202020204" pitchFamily="34" charset="0"/>
-              <a:ea typeface="맑은 고딕 Semilight" panose="020B0502040204020203" pitchFamily="50" charset="-127"/>
-            </a:endParaRPr>
-          </a:p>
-        </p:txBody>
-      </p:sp>
-      <p:pic>
-        <p:nvPicPr>
-          <p:cNvPr id="5" name="그림 4"/>
-          <p:cNvPicPr>
-            <a:picLocks noChangeAspect="1"/>
-          </p:cNvPicPr>
-          <p:nvPr/>
-        </p:nvPicPr>
-        <p:blipFill rotWithShape="1">
-          <a:blip r:embed="rId2" cstate="print">
-            <a:extLst>
-              <a:ext uri="{28A0092B-C50C-407E-A947-70E740481C1C}">
-                <a14:useLocalDpi xmlns:a14="http://schemas.microsoft.com/office/drawing/2010/main" val="0"/>
-              </a:ext>
-            </a:extLst>
-          </a:blip>
-          <a:srcRect l="7229" r="21084" b="37250"/>
-          <a:stretch/>
-        </p:blipFill>
-        <p:spPr>
-          <a:xfrm>
-            <a:off x="464296" y="409575"/>
-            <a:ext cx="478680" cy="504826"/>
-          </a:xfrm>
-          <a:prstGeom prst="rect">
-            <a:avLst/>
-          </a:prstGeom>
-          <a:effectLst>
-            <a:outerShdw dist="25400" dir="2700000" algn="tl" rotWithShape="0">
-              <a:schemeClr val="accent1">
-                <a:lumMod val="50000"/>
-                <a:alpha val="40000"/>
-              </a:schemeClr>
-            </a:outerShdw>
-          </a:effectLst>
-        </p:spPr>
-      </p:pic>
-      <p:sp>
-        <p:nvSpPr>
-          <p:cNvPr id="7" name="TextBox 6"/>
-          <p:cNvSpPr txBox="1"/>
-          <p:nvPr/>
-        </p:nvSpPr>
-        <p:spPr>
-          <a:xfrm>
-            <a:off x="1131046" y="333376"/>
             <a:ext cx="1261884" cy="523220"/>
           </a:xfrm>
           <a:prstGeom prst="rect">
@@ -7318,6 +7306,36 @@
           </a:p>
         </p:txBody>
       </p:sp>
+      <p:pic>
+        <p:nvPicPr>
+          <p:cNvPr id="2" name="그림 1"/>
+          <p:cNvPicPr>
+            <a:picLocks noChangeAspect="1"/>
+          </p:cNvPicPr>
+          <p:nvPr/>
+        </p:nvPicPr>
+        <p:blipFill>
+          <a:blip r:embed="rId3">
+            <a:extLst>
+              <a:ext uri="{28A0092B-C50C-407E-A947-70E740481C1C}">
+                <a14:useLocalDpi xmlns:a14="http://schemas.microsoft.com/office/drawing/2010/main" val="0"/>
+              </a:ext>
+            </a:extLst>
+          </a:blip>
+          <a:stretch>
+            <a:fillRect/>
+          </a:stretch>
+        </p:blipFill>
+        <p:spPr>
+          <a:xfrm>
+            <a:off x="3296915" y="536474"/>
+            <a:ext cx="5343525" cy="5819775"/>
+          </a:xfrm>
+          <a:prstGeom prst="rect">
+            <a:avLst/>
+          </a:prstGeom>
+        </p:spPr>
+      </p:pic>
     </p:spTree>
     <p:extLst>
       <p:ext uri="{BB962C8B-B14F-4D97-AF65-F5344CB8AC3E}">
